--- a/C언어 기본 문법.pptx
+++ b/C언어 기본 문법.pptx
@@ -18,6 +18,12 @@
     <p:sldId id="266" r:id="rId12"/>
     <p:sldId id="267" r:id="rId13"/>
     <p:sldId id="268" r:id="rId14"/>
+    <p:sldId id="269" r:id="rId15"/>
+    <p:sldId id="270" r:id="rId16"/>
+    <p:sldId id="271" r:id="rId17"/>
+    <p:sldId id="272" r:id="rId18"/>
+    <p:sldId id="273" r:id="rId19"/>
+    <p:sldId id="275" r:id="rId20"/>
   </p:sldIdLst>
   <p:sldSz cx="12192000" cy="6858000"/>
   <p:notesSz cx="6858000" cy="9144000"/>
@@ -154,10 +160,10 @@
     </inkml:brush>
   </inkml:definitions>
   <inkml:trace contextRef="#ctx0" brushRef="#br0">4604 11024 0,'-18'0'125,"-35"0"-109,18 0 0,17 18-1,-35-18-15,18 0 16,0 0 0,-36 0-16,36 0 31,-18 0-31,35 0 15,-17 0 1,-18 0 0,18 0-1,0 0 1,-1 0 0,19 0-1,-19 0 1,19 0-1,-1 0 1,1 0 0,-1 0-1,-17 0 17,17 18-1,0-18-16,18 17 157,-17 18-156,17 1 0,0-19-1,0 19 1,0-19-1,0 1 1,0 35 0,0 0-1,17 0 1,1 17 0,-18 1-16,0-18 15,18-18-15,-18 0 16,0 1-1,17 52 1,1-35 0,-18 17-1,18-17 1,-18-18 0,0 1-1,0-1 1,0 18 15,0 0-15,0-18-1,17 18 1,-17-18 0,0 1-16,0 16 15,0-34-15,0 0 16,0 17-1,0 0 1,0 18 0,0-17-1,0-1 1,0 35 0,0-34-1,0-1-15,0-17 16,0-1-16,0 54 31,0-18-15,0 0-1,0-18 1,0-18 0,0 19-1,0 17 1,0-18-1,0-17 1,0-1 62,0 1-62,18-18 124,-1 0-108,19 0-17,-19 0 1,19 0 31,-1 0-32,0 0 17,18 0-1,-35 0-15,17 0-1,-17 0 1,-1 0-1,1 0 17,0 0-17,17 0 1,0 0 0,-17 0-1,-1 0 1,1 0 15,53 0-15,-54 0 46,19 0-46,-19 0-1,1 0 1,-1 0 47</inkml:trace>
-  <inkml:trace contextRef="#ctx0" brushRef="#br0" timeOffset="8458.9655">4463 10883 0,'17'0'125,"1"0"-78,-18 18-15,18-18-17,-1 35 1,-17-17 15,18-1 32,-1 1-48,-17 0 48,18-1-48,-18 1 1,18-18 46,-1 18 1,19-1-16,-36 1-32,0 17 251,-18-17-250,0-1-1,1 1 1,-1 0 0,18-1 15,-18 1 0,1 0-15,-1-18 15,18 17 31,0 19-46,-17-36 0,17 17-1</inkml:trace>
+  <inkml:trace contextRef="#ctx0" brushRef="#br0" timeOffset="8458.9654">4463 10883 0,'17'0'125,"1"0"-78,-18 18-15,18-18-17,-1 35 1,-17-17 15,18-1 32,-1 1-48,-17 0 48,18-1-48,-18 1 1,18-18 46,-1 18 1,19-1-16,-36 1-32,0 17 251,-18-17-250,0-1-1,1 1 1,-1 0 0,18-1 15,-18 1 0,1 0-15,-1-18 15,18 17 31,0 19-46,-17-36 0,17 17-1</inkml:trace>
   <inkml:trace contextRef="#ctx0" brushRef="#br0" timeOffset="10101.9126">4463 10901 0,'0'17'94,"0"1"-94,0 17 31,0-17-31,0 17 16,0-17 0,0 0-1,0-1 1,0 1-1,0-1 1,0 19 0,0-19-1,0 1 1,0 0 0,0-1-1,0 1 1,0 0 15,0-1-15,0 1-1,0 0 17,17-18-17,-17 35 1,18-18-1,0-17 189</inkml:trace>
   <inkml:trace contextRef="#ctx0" brushRef="#br0" timeOffset="12965.1175">4586 11201 0,'-18'0'157,"1"17"-95,-1-17-31,18-17 32,0-1-48,0 0 1,0-17 0,0 17 15,0 1 0,-17 52 47,-1 0-78,0-17 16,1 0 0,-1-1-1,18-34 95,0-1-95,0-17-15,0 17 16,18 0-1,-36 18 79,0 0-78,18-17 62,-17-1-62,17 1-1,0-19 1,0 19 15,0-1-15,0 0 187,17 1-188,1-1 17,-18 53 77,0 1-93,0-19-16,0 1 15,0 17-15,0-17 32,0-1-1,35-52 94,-35 0-110,0 17-15,18 1 16,-18-1-16,0 0 31,18 71 79,-18-17-95,0-1-15,0 0 16,0 0 0,0-17-1,0 0 1,17-18 31,1-53-16,-18 35-31,0 0 16,17 1-1,-17-1 1,0 53 109,0 1-125,0-19 15,18 19 1,-18-19 0,18-34 46,-1-19-46,-17 19-1,0 34 189,0 1-189,0-36 110,0-17-94</inkml:trace>
-  <inkml:trace contextRef="#ctx0" brushRef="#br0" timeOffset="15293.4568">4410 12876 0,'17'18'125,"19"17"-125,-19 1 32,1-19-17,17 1 17,0 35-1,-17-36-16,0 19 17,-1-1-17,1-35 1,-18 18 15,0-1 250,0 1-265,-35 0 0,-1 17-1,36 0 1,-35-17 0,18-18-16,17 17 15,-18-17 1,18 18-1,-18 0 32,18-1-31,-17-17 0,17 18-1,-18 0 79,0-1-78</inkml:trace>
+  <inkml:trace contextRef="#ctx0" brushRef="#br0" timeOffset="15293.4567">4410 12876 0,'17'18'125,"19"17"-125,-19 1 32,1-19-17,17 1 17,0 35-1,-17-36-16,0 19 17,-1-1-17,1-35 1,-18 18 15,0-1 250,0 1-265,-35 0 0,-1 17-1,36 0 1,-35-17 0,18-18-16,17 17 15,-18-17 1,18 18-1,-18 0 32,18-1-31,-17-17 0,17 18-1,-18 0 79,0-1-78</inkml:trace>
   <inkml:trace contextRef="#ctx0" brushRef="#br0" timeOffset="16894.4421">4445 12912 0,'-18'17'63,"18"36"-48,0-35 1,0-1 0,0 1-1,0 17-15,0-17 16,0 17 15,0-17-15,0 0-1,18 35 1,-18-36 0,0 18-1,0-17 1,0 0 31,0-1-32,18 1 1,-18 0 31,0-1-32,0 1 1,0 0 0,0-1 62,17-17-31</inkml:trace>
   <inkml:trace contextRef="#ctx0" brushRef="#br0" timeOffset="19299.1636">4498 13194 0,'0'18'109,"0"-1"-78,0 18-15,0-52 62,18-18-62,-18 17-1,0 0-15,0 1 32,0-1-17,0 36 48,0 17-16,0-70 15,0-1-62,0 19 16,-18 17-1,18-18 173,-53-17-172,35-1-1,1 36 1,-1-35-16,36 18 219,-1-1-204,-17-17 1,18 35 62,0 17-62,-18 1-16,17 17 15,1 0 1,-18 1-1,18-1-15,-1-35 16,1 18-16,-18-1 16,17 1-1,-52-53 298,18 17-298,-1 36 142,18-1-157,0 1 78,0 0-31,0-36 15,0 0-46,0 1-1,0-1 1,0 36 62,0-1-62,0 1-1,0 0 1,0-1 0</inkml:trace>
   <inkml:trace contextRef="#ctx0" brushRef="#br0" timeOffset="22480.4159">4163 11783 0,'-18'0'0,"0"0"47,1 0-16,17 17 16,-18-17-31,1 18 15,-1 17-31,18-17 47,0 0-31,0-1 31,0 1-16,0 0-31,0-1 31,0 1 16,0-1 0,18-17 15,-1 0-30,1 0 14,-1 0-14,1 0-1,0 0-15,-1 0 62,1 0-63,0 0 32,-1 0-16,-17-17-15,0-1 31,18 1 0,0 17-32,-18-18 32,0 0 0,0 1 94,0-1-126,0 0 17,0 1 30,0-1-46,-18 18 62,18-18-16,-18 18-15,1 0-31,-1 0 46,-17-17-46,17 17 15</inkml:trace>
@@ -165,9 +171,9 @@
   <inkml:trace contextRef="#ctx0" brushRef="#br1" timeOffset="57022.3456">4868 13264 0,'-17'0'94,"-1"0"-63,0 36-15,1-1-1,-19 0 1,19-17 15,-1 0-15,-17 34 0,0-52-1,35 18 16,35-18 219,-17 0-218,-1 0-17,1 0 1,17 0 0,-17 0 15,17 0-16,0 0 1,-17 0 0,0 0 46,17 0-46,-17 0-1,-1 0 95,1 0-16,-18-35 171,0 17-249,0 1-1,0-1 17,-18 18-17,18-35 48,-17 17-48,-1 18 48,0-18-32,18 1 63,-17 17-63</inkml:trace>
   <inkml:trace contextRef="#ctx0" brushRef="#br1" timeOffset="59398.5475">4886 13300 0,'-18'17'32,"-17"19"-17,17-1 1,1-17 15,-1-18-15,0 17 15,18 18-15,18-70 156,0 35-141,-1-35-16,1 17 1,-18 36 156,0 17-141,0 0-15,18-35 62,-1 0-47,19 0-31,-36-17 16,0-1 343,0-17-296,0 17-48,0 1 110,0-1-109,17 36 171,-17-1-171,18-17 109,0 0 16,-18 18-110,17-18 0,-17 18-15,18-18 62</inkml:trace>
   <inkml:trace contextRef="#ctx0" brushRef="#br1" timeOffset="62437.0474">3246 10213 0,'0'18'125,"0"-1"-109,0 1-1,0-1 1,17 1-1,-17 0 1,18-18 15,-1 17-15,-17 1 31,18-18-32,0 18 1,-18-1 15,17 1-15,-17 0 218,-17-1-202,-1 1-17,0-1 1,1 19 15,-18-1-15,17-35-1,0 35 1,18-17 0,-17 0 30,-1 17-30</inkml:trace>
-  <inkml:trace contextRef="#ctx0" brushRef="#br1" timeOffset="66670.2432">3175 10195 0,'0'36'109,"0"-19"-93,0 18 0,0-17-1,0 17 1,0-17 0,0 35-1,0-35 1,0-1-1,0 1 1,0 52 0,0-34 15,0-1 31,0 0-46,18-17 0,-18 0-16,17-18 187,1-18-171,0-17 15,-18 17-15,0 0-1,17-17 17,-17 17-17,0 1-15,0-19 16,0 19-1,0-18 64,0 17-64,-17 18 79,-1 18-78,18-1 15,-18 1 0,1-1-15,17 1 15,-18-18 0,18-53 0,-18 36-31,18-1 16,0 0 0,0 1-1,0 52 173,0 0-188,18-52 109,-18-19-109,0 1 16,0-36-1,0 19 1,0 34 0,0 53 77,0 18-77,0-35 0,0 17-16,0-17 15,0-1 1,0 1 0,0-36 124,0 1-124,0-1 46,0 0-46,0 1 31,18 34 78,-18 1-110,17 17 1,-17 1 0,18-36-1,-18 17 1,18-17 78,-1-35-79,1 17 1,-18 36 171,0 0-171,0-54 62,0 19-62,0-1 249,-18 0-186,18 1-48,-17 17 0,17-18 16,-18 0 109,0 18-109,18-17-16,0-18 1,-17 35-17,17-18 1</inkml:trace>
+  <inkml:trace contextRef="#ctx0" brushRef="#br1" timeOffset="66670.2431">3175 10195 0,'0'36'109,"0"-19"-93,0 18 0,0-17-1,0 17 1,0-17 0,0 35-1,0-35 1,0-1-1,0 1 1,0 52 0,0-34 15,0-1 31,0 0-46,18-17 0,-18 0-16,17-18 187,1-18-171,0-17 15,-18 17-15,0 0-1,17-17 17,-17 17-17,0 1-15,0-19 16,0 19-1,0-18 64,0 17-64,-17 18 79,-1 18-78,18-1 15,-18 1 0,1-1-15,17 1 15,-18-18 0,18-53 0,-18 36-31,18-1 16,0 0 0,0 1-1,0 52 173,0 0-188,18-52 109,-18-19-109,0 1 16,0-36-1,0 19 1,0 34 0,0 53 77,0 18-77,0-35 0,0 17-16,0-17 15,0-1 1,0 1 0,0-36 124,0 1-124,0-1 46,0 0-46,0 1 31,18 34 78,-18 1-110,17 17 1,-17 1 0,18-36-1,-18 17 1,18-17 78,-1-35-79,1 17 1,-18 36 171,0 0-171,0-54 62,0 19-62,0-1 249,-18 0-186,18 1-48,-17 17 0,17-18 16,-18 0 109,0 18-109,18-17-16,0-18 1,-17 35-17,17-18 1</inkml:trace>
   <inkml:trace contextRef="#ctx0" brushRef="#br1" timeOffset="68888.3369">2381 11906 0,'-17'0'63,"-19"36"-48,1-1 1,35-18-1,-18 19 1,-17-19 0,17 19-1,18-19 1,0 1 0,-17-18-1,17 18 48</inkml:trace>
-  <inkml:trace contextRef="#ctx0" brushRef="#br1" timeOffset="70561.2622">2187 11871 0,'18'0'125,"-1"35"-109,-17 1-1,18-1 1,0-35-16,17 35 15,-35-17-15,18-18 16,-1 17 0,1 1 46,0 0-46,-1-1 15,-17 1-15,0 0-1,18-1 1,0 1 15</inkml:trace>
+  <inkml:trace contextRef="#ctx0" brushRef="#br1" timeOffset="70561.2621">2187 11871 0,'18'0'125,"-1"35"-109,-17 1-1,18-1 1,0-35-16,17 35 15,-35-17-15,18-18 16,-1 17 0,1 1 46,0 0-46,-1-1 15,-17 1-15,0 0-1,18-1 1,0 1 15</inkml:trace>
 </inkml:ink>
 </file>
 
@@ -302,7 +308,7 @@
           <a:p>
             <a:fld id="{4F077773-9EE7-42E6-9A5A-DD4ED7A4D068}" type="datetimeFigureOut">
               <a:rPr lang="ko-KR" altLang="en-US" smtClean="0"/>
-              <a:t>2022-11-06</a:t>
+              <a:t>2022-11-07</a:t>
             </a:fld>
             <a:endParaRPr lang="ko-KR" altLang="en-US"/>
           </a:p>
@@ -472,7 +478,7 @@
           <a:p>
             <a:fld id="{4F077773-9EE7-42E6-9A5A-DD4ED7A4D068}" type="datetimeFigureOut">
               <a:rPr lang="ko-KR" altLang="en-US" smtClean="0"/>
-              <a:t>2022-11-06</a:t>
+              <a:t>2022-11-07</a:t>
             </a:fld>
             <a:endParaRPr lang="ko-KR" altLang="en-US"/>
           </a:p>
@@ -652,7 +658,7 @@
           <a:p>
             <a:fld id="{4F077773-9EE7-42E6-9A5A-DD4ED7A4D068}" type="datetimeFigureOut">
               <a:rPr lang="ko-KR" altLang="en-US" smtClean="0"/>
-              <a:t>2022-11-06</a:t>
+              <a:t>2022-11-07</a:t>
             </a:fld>
             <a:endParaRPr lang="ko-KR" altLang="en-US"/>
           </a:p>
@@ -822,7 +828,7 @@
           <a:p>
             <a:fld id="{4F077773-9EE7-42E6-9A5A-DD4ED7A4D068}" type="datetimeFigureOut">
               <a:rPr lang="ko-KR" altLang="en-US" smtClean="0"/>
-              <a:t>2022-11-06</a:t>
+              <a:t>2022-11-07</a:t>
             </a:fld>
             <a:endParaRPr lang="ko-KR" altLang="en-US"/>
           </a:p>
@@ -1068,7 +1074,7 @@
           <a:p>
             <a:fld id="{4F077773-9EE7-42E6-9A5A-DD4ED7A4D068}" type="datetimeFigureOut">
               <a:rPr lang="ko-KR" altLang="en-US" smtClean="0"/>
-              <a:t>2022-11-06</a:t>
+              <a:t>2022-11-07</a:t>
             </a:fld>
             <a:endParaRPr lang="ko-KR" altLang="en-US"/>
           </a:p>
@@ -1300,7 +1306,7 @@
           <a:p>
             <a:fld id="{4F077773-9EE7-42E6-9A5A-DD4ED7A4D068}" type="datetimeFigureOut">
               <a:rPr lang="ko-KR" altLang="en-US" smtClean="0"/>
-              <a:t>2022-11-06</a:t>
+              <a:t>2022-11-07</a:t>
             </a:fld>
             <a:endParaRPr lang="ko-KR" altLang="en-US"/>
           </a:p>
@@ -1667,7 +1673,7 @@
           <a:p>
             <a:fld id="{4F077773-9EE7-42E6-9A5A-DD4ED7A4D068}" type="datetimeFigureOut">
               <a:rPr lang="ko-KR" altLang="en-US" smtClean="0"/>
-              <a:t>2022-11-06</a:t>
+              <a:t>2022-11-07</a:t>
             </a:fld>
             <a:endParaRPr lang="ko-KR" altLang="en-US"/>
           </a:p>
@@ -1785,7 +1791,7 @@
           <a:p>
             <a:fld id="{4F077773-9EE7-42E6-9A5A-DD4ED7A4D068}" type="datetimeFigureOut">
               <a:rPr lang="ko-KR" altLang="en-US" smtClean="0"/>
-              <a:t>2022-11-06</a:t>
+              <a:t>2022-11-07</a:t>
             </a:fld>
             <a:endParaRPr lang="ko-KR" altLang="en-US"/>
           </a:p>
@@ -1880,7 +1886,7 @@
           <a:p>
             <a:fld id="{4F077773-9EE7-42E6-9A5A-DD4ED7A4D068}" type="datetimeFigureOut">
               <a:rPr lang="ko-KR" altLang="en-US" smtClean="0"/>
-              <a:t>2022-11-06</a:t>
+              <a:t>2022-11-07</a:t>
             </a:fld>
             <a:endParaRPr lang="ko-KR" altLang="en-US"/>
           </a:p>
@@ -2157,7 +2163,7 @@
           <a:p>
             <a:fld id="{4F077773-9EE7-42E6-9A5A-DD4ED7A4D068}" type="datetimeFigureOut">
               <a:rPr lang="ko-KR" altLang="en-US" smtClean="0"/>
-              <a:t>2022-11-06</a:t>
+              <a:t>2022-11-07</a:t>
             </a:fld>
             <a:endParaRPr lang="ko-KR" altLang="en-US"/>
           </a:p>
@@ -2410,7 +2416,7 @@
           <a:p>
             <a:fld id="{4F077773-9EE7-42E6-9A5A-DD4ED7A4D068}" type="datetimeFigureOut">
               <a:rPr lang="ko-KR" altLang="en-US" smtClean="0"/>
-              <a:t>2022-11-06</a:t>
+              <a:t>2022-11-07</a:t>
             </a:fld>
             <a:endParaRPr lang="ko-KR" altLang="en-US"/>
           </a:p>
@@ -2623,7 +2629,7 @@
           <a:p>
             <a:fld id="{4F077773-9EE7-42E6-9A5A-DD4ED7A4D068}" type="datetimeFigureOut">
               <a:rPr lang="ko-KR" altLang="en-US" smtClean="0"/>
-              <a:t>2022-11-06</a:t>
+              <a:t>2022-11-07</a:t>
             </a:fld>
             <a:endParaRPr lang="ko-KR" altLang="en-US"/>
           </a:p>
@@ -4621,7 +4627,7 @@
         <p:spPr>
           <a:xfrm>
             <a:off x="773724" y="1186962"/>
-            <a:ext cx="10788161" cy="4955203"/>
+            <a:ext cx="10788161" cy="5509200"/>
           </a:xfrm>
           <a:prstGeom prst="rect">
             <a:avLst/>
@@ -4715,8 +4721,12 @@
               <a:t>조건식</a:t>
             </a:r>
             <a:r>
-              <a:rPr lang="en-US" altLang="ko-KR" dirty="0" smtClean="0"/>
-              <a:t>1; </a:t>
+              <a:rPr lang="en-US" altLang="ko-KR" dirty="0"/>
+              <a:t>2</a:t>
+            </a:r>
+            <a:r>
+              <a:rPr lang="en-US" altLang="ko-KR" dirty="0" smtClean="0"/>
+              <a:t>; </a:t>
             </a:r>
             <a:r>
               <a:rPr lang="ko-KR" altLang="en-US" dirty="0" err="1" smtClean="0"/>
@@ -4799,24 +4809,189 @@
             </a:endParaRPr>
           </a:p>
           <a:p>
+            <a:r>
+              <a:rPr lang="ko-KR" altLang="en-US" dirty="0" err="1" smtClean="0"/>
+              <a:t>초기식</a:t>
+            </a:r>
+            <a:r>
+              <a:rPr lang="en-US" altLang="ko-KR" dirty="0" smtClean="0"/>
+              <a:t>1 </a:t>
+            </a:r>
+            <a:r>
+              <a:rPr lang="ko-KR" altLang="en-US" dirty="0" smtClean="0"/>
+              <a:t>→ 조건식</a:t>
+            </a:r>
+            <a:r>
+              <a:rPr lang="en-US" altLang="ko-KR" dirty="0" smtClean="0"/>
+              <a:t>1 </a:t>
+            </a:r>
+            <a:r>
+              <a:rPr lang="ko-KR" altLang="en-US" dirty="0" smtClean="0"/>
+              <a:t>→ </a:t>
+            </a:r>
+            <a:r>
+              <a:rPr lang="ko-KR" altLang="en-US" dirty="0" err="1" smtClean="0"/>
+              <a:t>초기식</a:t>
+            </a:r>
+            <a:r>
+              <a:rPr lang="en-US" altLang="ko-KR" dirty="0" smtClean="0"/>
+              <a:t>2 </a:t>
+            </a:r>
+            <a:r>
+              <a:rPr lang="ko-KR" altLang="en-US" dirty="0" smtClean="0"/>
+              <a:t>→ 조건식</a:t>
+            </a:r>
+            <a:r>
+              <a:rPr lang="en-US" altLang="ko-KR" dirty="0" smtClean="0"/>
+              <a:t>2</a:t>
+            </a:r>
+          </a:p>
+          <a:p>
+            <a:r>
+              <a:rPr lang="ko-KR" altLang="en-US" dirty="0" smtClean="0"/>
+              <a:t>→ </a:t>
+            </a:r>
+            <a:r>
+              <a:rPr lang="ko-KR" altLang="en-US" dirty="0" err="1" smtClean="0"/>
+              <a:t>문장출력</a:t>
+            </a:r>
+            <a:r>
+              <a:rPr lang="ko-KR" altLang="en-US" dirty="0" smtClean="0"/>
+              <a:t> → </a:t>
+            </a:r>
+            <a:r>
+              <a:rPr lang="ko-KR" altLang="en-US" dirty="0" err="1" smtClean="0"/>
+              <a:t>증감식</a:t>
+            </a:r>
+            <a:r>
+              <a:rPr lang="en-US" altLang="ko-KR" dirty="0" smtClean="0"/>
+              <a:t>2 </a:t>
+            </a:r>
+            <a:r>
+              <a:rPr lang="ko-KR" altLang="en-US" dirty="0" smtClean="0"/>
+              <a:t>→ 조건식</a:t>
+            </a:r>
+            <a:r>
+              <a:rPr lang="en-US" altLang="ko-KR" dirty="0" smtClean="0"/>
+              <a:t>2 </a:t>
+            </a:r>
+            <a:r>
+              <a:rPr lang="ko-KR" altLang="en-US" dirty="0" smtClean="0"/>
+              <a:t>→ </a:t>
+            </a:r>
+            <a:r>
+              <a:rPr lang="ko-KR" altLang="en-US" dirty="0" err="1" smtClean="0"/>
+              <a:t>문장출력</a:t>
+            </a:r>
             <a:endParaRPr lang="en-US" altLang="ko-KR" dirty="0" smtClean="0"/>
           </a:p>
           <a:p>
+            <a:endParaRPr lang="en-US" altLang="ko-KR" dirty="0" smtClean="0"/>
+          </a:p>
+          <a:p>
+            <a:r>
+              <a:rPr lang="ko-KR" altLang="en-US" dirty="0" smtClean="0"/>
+              <a:t>반</a:t>
+            </a:r>
+            <a:r>
+              <a:rPr lang="ko-KR" altLang="en-US" dirty="0" smtClean="0"/>
+              <a:t>복하다가 조건식</a:t>
+            </a:r>
+            <a:r>
+              <a:rPr lang="en-US" altLang="ko-KR" dirty="0" smtClean="0"/>
+              <a:t>2</a:t>
+            </a:r>
+            <a:r>
+              <a:rPr lang="ko-KR" altLang="en-US" dirty="0" smtClean="0"/>
+              <a:t>가 아니라면</a:t>
+            </a:r>
+            <a:endParaRPr lang="en-US" altLang="ko-KR" dirty="0" smtClean="0"/>
+          </a:p>
+          <a:p>
+            <a:endParaRPr lang="en-US" altLang="ko-KR" dirty="0" smtClean="0"/>
+          </a:p>
+          <a:p>
+            <a:r>
+              <a:rPr lang="ko-KR" altLang="en-US" dirty="0" err="1" smtClean="0"/>
+              <a:t>증감식</a:t>
+            </a:r>
+            <a:r>
+              <a:rPr lang="en-US" altLang="ko-KR" dirty="0" smtClean="0"/>
+              <a:t>1 </a:t>
+            </a:r>
+            <a:r>
+              <a:rPr lang="ko-KR" altLang="en-US" dirty="0" smtClean="0"/>
+              <a:t>→ </a:t>
+            </a:r>
+            <a:r>
+              <a:rPr lang="ko-KR" altLang="en-US" dirty="0" err="1"/>
+              <a:t>초기식</a:t>
+            </a:r>
+            <a:r>
+              <a:rPr lang="en-US" altLang="ko-KR" dirty="0"/>
+              <a:t>2 </a:t>
+            </a:r>
+            <a:r>
+              <a:rPr lang="ko-KR" altLang="en-US" dirty="0"/>
+              <a:t>→ 조건식</a:t>
+            </a:r>
+            <a:r>
+              <a:rPr lang="en-US" altLang="ko-KR" dirty="0" smtClean="0"/>
+              <a:t>2 </a:t>
+            </a:r>
+            <a:r>
+              <a:rPr lang="ko-KR" altLang="en-US" dirty="0" smtClean="0"/>
+              <a:t>→ </a:t>
+            </a:r>
+            <a:r>
+              <a:rPr lang="ko-KR" altLang="en-US" dirty="0" err="1"/>
+              <a:t>문장출력</a:t>
+            </a:r>
+            <a:r>
+              <a:rPr lang="ko-KR" altLang="en-US" dirty="0"/>
+              <a:t> </a:t>
+            </a:r>
+            <a:endParaRPr lang="en-US" altLang="ko-KR" dirty="0" smtClean="0"/>
+          </a:p>
+          <a:p>
+            <a:r>
+              <a:rPr lang="ko-KR" altLang="en-US" dirty="0" smtClean="0"/>
+              <a:t>→ </a:t>
+            </a:r>
+            <a:r>
+              <a:rPr lang="ko-KR" altLang="en-US" dirty="0" err="1"/>
+              <a:t>증감식</a:t>
+            </a:r>
+            <a:r>
+              <a:rPr lang="en-US" altLang="ko-KR" dirty="0"/>
+              <a:t>2 </a:t>
+            </a:r>
+            <a:r>
+              <a:rPr lang="ko-KR" altLang="en-US" dirty="0"/>
+              <a:t>→ 조건식</a:t>
+            </a:r>
+            <a:r>
+              <a:rPr lang="en-US" altLang="ko-KR" dirty="0"/>
+              <a:t>2 </a:t>
+            </a:r>
+            <a:r>
+              <a:rPr lang="ko-KR" altLang="en-US" dirty="0"/>
+              <a:t>→ </a:t>
+            </a:r>
+            <a:r>
+              <a:rPr lang="ko-KR" altLang="en-US" dirty="0" err="1"/>
+              <a:t>문장출력</a:t>
+            </a:r>
             <a:endParaRPr lang="en-US" altLang="ko-KR" dirty="0"/>
           </a:p>
           <a:p>
-            <a:endParaRPr lang="en-US" altLang="ko-KR" dirty="0" smtClean="0"/>
-          </a:p>
-          <a:p>
             <a:endParaRPr lang="en-US" altLang="ko-KR" dirty="0"/>
           </a:p>
           <a:p>
-            <a:endParaRPr lang="en-US" altLang="ko-KR" dirty="0" smtClean="0"/>
-          </a:p>
-          <a:p>
-            <a:endParaRPr lang="en-US" altLang="ko-KR" dirty="0"/>
-          </a:p>
-          <a:p>
+            <a:r>
+              <a:rPr lang="ko-KR" altLang="en-US" dirty="0" smtClean="0"/>
+              <a:t>이렇게 반복</a:t>
+            </a:r>
             <a:endParaRPr lang="en-US" altLang="ko-KR" dirty="0" smtClean="0"/>
           </a:p>
           <a:p>
@@ -4881,10 +5056,2507 @@
           </a:p>
         </p:txBody>
       </p:sp>
+      <p:pic>
+        <p:nvPicPr>
+          <p:cNvPr id="4" name="그림 3"/>
+          <p:cNvPicPr>
+            <a:picLocks noChangeAspect="1"/>
+          </p:cNvPicPr>
+          <p:nvPr/>
+        </p:nvPicPr>
+        <p:blipFill>
+          <a:blip r:embed="rId2"/>
+          <a:stretch>
+            <a:fillRect/>
+          </a:stretch>
+        </p:blipFill>
+        <p:spPr>
+          <a:xfrm>
+            <a:off x="5950927" y="749616"/>
+            <a:ext cx="3543300" cy="3638550"/>
+          </a:xfrm>
+          <a:prstGeom prst="rect">
+            <a:avLst/>
+          </a:prstGeom>
+        </p:spPr>
+      </p:pic>
+      <p:pic>
+        <p:nvPicPr>
+          <p:cNvPr id="5" name="그림 4"/>
+          <p:cNvPicPr>
+            <a:picLocks noChangeAspect="1"/>
+          </p:cNvPicPr>
+          <p:nvPr/>
+        </p:nvPicPr>
+        <p:blipFill>
+          <a:blip r:embed="rId3"/>
+          <a:stretch>
+            <a:fillRect/>
+          </a:stretch>
+        </p:blipFill>
+        <p:spPr>
+          <a:xfrm>
+            <a:off x="5950927" y="4388166"/>
+            <a:ext cx="5372100" cy="2200275"/>
+          </a:xfrm>
+          <a:prstGeom prst="rect">
+            <a:avLst/>
+          </a:prstGeom>
+        </p:spPr>
+      </p:pic>
     </p:spTree>
     <p:extLst>
       <p:ext uri="{BB962C8B-B14F-4D97-AF65-F5344CB8AC3E}">
         <p14:creationId xmlns:p14="http://schemas.microsoft.com/office/powerpoint/2010/main" val="4248696039"/>
+      </p:ext>
+    </p:extLst>
+  </p:cSld>
+  <p:clrMapOvr>
+    <a:masterClrMapping/>
+  </p:clrMapOvr>
+  <p:timing>
+    <p:tnLst>
+      <p:par>
+        <p:cTn id="1" dur="indefinite" restart="never" nodeType="tmRoot">
+          <p:childTnLst>
+            <p:seq concurrent="1" nextAc="seek">
+              <p:cTn id="2" dur="indefinite" nodeType="mainSeq">
+                <p:childTnLst>
+                  <p:par>
+                    <p:cTn id="3" fill="hold">
+                      <p:stCondLst>
+                        <p:cond delay="indefinite"/>
+                      </p:stCondLst>
+                      <p:childTnLst>
+                        <p:par>
+                          <p:cTn id="4" fill="hold">
+                            <p:stCondLst>
+                              <p:cond delay="0"/>
+                            </p:stCondLst>
+                            <p:childTnLst>
+                              <p:par>
+                                <p:cTn id="5" presetID="1" presetClass="entr" presetSubtype="0" fill="hold" nodeType="clickEffect">
+                                  <p:stCondLst>
+                                    <p:cond delay="0"/>
+                                  </p:stCondLst>
+                                  <p:childTnLst>
+                                    <p:set>
+                                      <p:cBhvr>
+                                        <p:cTn id="6" dur="1" fill="hold">
+                                          <p:stCondLst>
+                                            <p:cond delay="0"/>
+                                          </p:stCondLst>
+                                        </p:cTn>
+                                        <p:tgtEl>
+                                          <p:spTgt spid="4"/>
+                                        </p:tgtEl>
+                                        <p:attrNameLst>
+                                          <p:attrName>style.visibility</p:attrName>
+                                        </p:attrNameLst>
+                                      </p:cBhvr>
+                                      <p:to>
+                                        <p:strVal val="visible"/>
+                                      </p:to>
+                                    </p:set>
+                                  </p:childTnLst>
+                                </p:cTn>
+                              </p:par>
+                            </p:childTnLst>
+                          </p:cTn>
+                        </p:par>
+                      </p:childTnLst>
+                    </p:cTn>
+                  </p:par>
+                  <p:par>
+                    <p:cTn id="7" fill="hold">
+                      <p:stCondLst>
+                        <p:cond delay="indefinite"/>
+                      </p:stCondLst>
+                      <p:childTnLst>
+                        <p:par>
+                          <p:cTn id="8" fill="hold">
+                            <p:stCondLst>
+                              <p:cond delay="0"/>
+                            </p:stCondLst>
+                            <p:childTnLst>
+                              <p:par>
+                                <p:cTn id="9" presetID="1" presetClass="entr" presetSubtype="0" fill="hold" nodeType="clickEffect">
+                                  <p:stCondLst>
+                                    <p:cond delay="0"/>
+                                  </p:stCondLst>
+                                  <p:childTnLst>
+                                    <p:set>
+                                      <p:cBhvr>
+                                        <p:cTn id="10" dur="1" fill="hold">
+                                          <p:stCondLst>
+                                            <p:cond delay="0"/>
+                                          </p:stCondLst>
+                                        </p:cTn>
+                                        <p:tgtEl>
+                                          <p:spTgt spid="5"/>
+                                        </p:tgtEl>
+                                        <p:attrNameLst>
+                                          <p:attrName>style.visibility</p:attrName>
+                                        </p:attrNameLst>
+                                      </p:cBhvr>
+                                      <p:to>
+                                        <p:strVal val="visible"/>
+                                      </p:to>
+                                    </p:set>
+                                  </p:childTnLst>
+                                </p:cTn>
+                              </p:par>
+                            </p:childTnLst>
+                          </p:cTn>
+                        </p:par>
+                      </p:childTnLst>
+                    </p:cTn>
+                  </p:par>
+                </p:childTnLst>
+              </p:cTn>
+              <p:prevCondLst>
+                <p:cond evt="onPrev" delay="0">
+                  <p:tgtEl>
+                    <p:sldTgt/>
+                  </p:tgtEl>
+                </p:cond>
+              </p:prevCondLst>
+              <p:nextCondLst>
+                <p:cond evt="onNext" delay="0">
+                  <p:tgtEl>
+                    <p:sldTgt/>
+                  </p:tgtEl>
+                </p:cond>
+              </p:nextCondLst>
+            </p:seq>
+          </p:childTnLst>
+        </p:cTn>
+      </p:par>
+    </p:tnLst>
+  </p:timing>
+</p:sld>
+</file>
+
+<file path=ppt/slides/slide14.xml><?xml version="1.0" encoding="utf-8"?>
+<p:sld xmlns:a="http://schemas.openxmlformats.org/drawingml/2006/main" xmlns:r="http://schemas.openxmlformats.org/officeDocument/2006/relationships" xmlns:p="http://schemas.openxmlformats.org/presentationml/2006/main">
+  <p:cSld>
+    <p:spTree>
+      <p:nvGrpSpPr>
+        <p:cNvPr id="1" name=""/>
+        <p:cNvGrpSpPr/>
+        <p:nvPr/>
+      </p:nvGrpSpPr>
+      <p:grpSpPr>
+        <a:xfrm>
+          <a:off x="0" y="0"/>
+          <a:ext cx="0" cy="0"/>
+          <a:chOff x="0" y="0"/>
+          <a:chExt cx="0" cy="0"/>
+        </a:xfrm>
+      </p:grpSpPr>
+      <p:sp>
+        <p:nvSpPr>
+          <p:cNvPr id="2" name="TextBox 1"/>
+          <p:cNvSpPr txBox="1"/>
+          <p:nvPr/>
+        </p:nvSpPr>
+        <p:spPr>
+          <a:xfrm>
+            <a:off x="773724" y="1186962"/>
+            <a:ext cx="10788161" cy="4047262"/>
+          </a:xfrm>
+          <a:prstGeom prst="rect">
+            <a:avLst/>
+          </a:prstGeom>
+          <a:noFill/>
+        </p:spPr>
+        <p:txBody>
+          <a:bodyPr wrap="square" rtlCol="0">
+            <a:spAutoFit/>
+          </a:bodyPr>
+          <a:lstStyle/>
+          <a:p>
+            <a:r>
+              <a:rPr lang="en-US" altLang="ko-KR" b="1" dirty="0" smtClean="0">
+                <a:solidFill>
+                  <a:schemeClr val="accent2"/>
+                </a:solidFill>
+              </a:rPr>
+              <a:t>[ </a:t>
+            </a:r>
+            <a:r>
+              <a:rPr lang="ko-KR" altLang="en-US" b="1" dirty="0" smtClean="0">
+                <a:solidFill>
+                  <a:schemeClr val="accent2"/>
+                </a:solidFill>
+              </a:rPr>
+              <a:t>연습문제 </a:t>
+            </a:r>
+            <a:r>
+              <a:rPr lang="en-US" altLang="ko-KR" b="1" dirty="0" smtClean="0">
+                <a:solidFill>
+                  <a:schemeClr val="accent2"/>
+                </a:solidFill>
+              </a:rPr>
+              <a:t>]</a:t>
+            </a:r>
+          </a:p>
+          <a:p>
+            <a:endParaRPr lang="en-US" altLang="ko-KR" sz="500" b="1" dirty="0" smtClean="0">
+              <a:solidFill>
+                <a:schemeClr val="accent2"/>
+              </a:solidFill>
+            </a:endParaRPr>
+          </a:p>
+          <a:p>
+            <a:r>
+              <a:rPr lang="en-US" altLang="ko-KR" dirty="0" smtClean="0"/>
+              <a:t>- </a:t>
+            </a:r>
+            <a:r>
+              <a:rPr lang="ko-KR" altLang="en-US" dirty="0" smtClean="0"/>
+              <a:t>별 출력하기</a:t>
+            </a:r>
+            <a:endParaRPr lang="en-US" altLang="ko-KR" dirty="0" smtClean="0"/>
+          </a:p>
+          <a:p>
+            <a:endParaRPr lang="en-US" altLang="ko-KR" dirty="0"/>
+          </a:p>
+          <a:p>
+            <a:endParaRPr lang="en-US" altLang="ko-KR" dirty="0" smtClean="0"/>
+          </a:p>
+          <a:p>
+            <a:r>
+              <a:rPr lang="en-US" altLang="ko-KR" dirty="0" smtClean="0"/>
+              <a:t>1</a:t>
+            </a:r>
+            <a:r>
+              <a:rPr lang="ko-KR" altLang="en-US" dirty="0" smtClean="0"/>
+              <a:t>단계</a:t>
+            </a:r>
+            <a:r>
+              <a:rPr lang="en-US" altLang="ko-KR" dirty="0" smtClean="0"/>
+              <a:t>		2</a:t>
+            </a:r>
+            <a:r>
+              <a:rPr lang="ko-KR" altLang="en-US" dirty="0" smtClean="0"/>
+              <a:t>단계</a:t>
+            </a:r>
+            <a:r>
+              <a:rPr lang="en-US" altLang="ko-KR" dirty="0" smtClean="0"/>
+              <a:t>		3</a:t>
+            </a:r>
+            <a:r>
+              <a:rPr lang="ko-KR" altLang="en-US" dirty="0" smtClean="0"/>
+              <a:t>단계</a:t>
+            </a:r>
+            <a:r>
+              <a:rPr lang="en-US" altLang="ko-KR" dirty="0" smtClean="0"/>
+              <a:t>		4</a:t>
+            </a:r>
+            <a:r>
+              <a:rPr lang="ko-KR" altLang="en-US" dirty="0" smtClean="0"/>
+              <a:t>단계</a:t>
+            </a:r>
+            <a:endParaRPr lang="en-US" altLang="ko-KR" dirty="0" smtClean="0"/>
+          </a:p>
+          <a:p>
+            <a:r>
+              <a:rPr lang="en-US" altLang="ko-KR" dirty="0" smtClean="0"/>
+              <a:t> *		</a:t>
+            </a:r>
+            <a:r>
+              <a:rPr lang="en-US" altLang="ko-KR" dirty="0"/>
+              <a:t> </a:t>
+            </a:r>
+            <a:r>
+              <a:rPr lang="en-US" altLang="ko-KR" dirty="0" smtClean="0"/>
+              <a:t>*</a:t>
+            </a:r>
+            <a:r>
+              <a:rPr lang="en-US" altLang="ko-KR" dirty="0"/>
+              <a:t> </a:t>
+            </a:r>
+            <a:r>
+              <a:rPr lang="en-US" altLang="ko-KR" dirty="0" smtClean="0"/>
+              <a:t>*</a:t>
+            </a:r>
+            <a:r>
+              <a:rPr lang="en-US" altLang="ko-KR" dirty="0"/>
+              <a:t> </a:t>
+            </a:r>
+            <a:r>
+              <a:rPr lang="en-US" altLang="ko-KR" dirty="0" smtClean="0"/>
+              <a:t>*</a:t>
+            </a:r>
+            <a:r>
+              <a:rPr lang="en-US" altLang="ko-KR" dirty="0"/>
+              <a:t> </a:t>
+            </a:r>
+            <a:r>
+              <a:rPr lang="en-US" altLang="ko-KR" dirty="0" smtClean="0"/>
+              <a:t>*</a:t>
+            </a:r>
+            <a:r>
+              <a:rPr lang="en-US" altLang="ko-KR" dirty="0"/>
+              <a:t> </a:t>
+            </a:r>
+            <a:r>
+              <a:rPr lang="en-US" altLang="ko-KR" dirty="0" smtClean="0"/>
+              <a:t>*		</a:t>
+            </a:r>
+            <a:r>
+              <a:rPr lang="en-US" altLang="ko-KR" dirty="0"/>
+              <a:t> </a:t>
+            </a:r>
+            <a:r>
+              <a:rPr lang="en-US" altLang="ko-KR" dirty="0" smtClean="0"/>
+              <a:t>*</a:t>
+            </a:r>
+            <a:r>
+              <a:rPr lang="en-US" altLang="ko-KR" dirty="0"/>
+              <a:t> </a:t>
+            </a:r>
+            <a:r>
+              <a:rPr lang="en-US" altLang="ko-KR" dirty="0" smtClean="0"/>
+              <a:t>*</a:t>
+            </a:r>
+            <a:r>
+              <a:rPr lang="en-US" altLang="ko-KR" dirty="0"/>
+              <a:t> </a:t>
+            </a:r>
+            <a:r>
+              <a:rPr lang="en-US" altLang="ko-KR" dirty="0" smtClean="0"/>
+              <a:t>*</a:t>
+            </a:r>
+            <a:r>
+              <a:rPr lang="en-US" altLang="ko-KR" dirty="0"/>
+              <a:t> </a:t>
+            </a:r>
+            <a:r>
+              <a:rPr lang="en-US" altLang="ko-KR" dirty="0" smtClean="0"/>
+              <a:t>*</a:t>
+            </a:r>
+            <a:r>
+              <a:rPr lang="en-US" altLang="ko-KR" dirty="0"/>
+              <a:t> </a:t>
+            </a:r>
+            <a:r>
+              <a:rPr lang="en-US" altLang="ko-KR" dirty="0" smtClean="0"/>
+              <a:t>*		         </a:t>
+            </a:r>
+            <a:r>
+              <a:rPr lang="en-US" altLang="ko-KR" dirty="0"/>
+              <a:t>*</a:t>
+            </a:r>
+            <a:endParaRPr lang="en-US" altLang="ko-KR" dirty="0" smtClean="0"/>
+          </a:p>
+          <a:p>
+            <a:r>
+              <a:rPr lang="en-US" altLang="ko-KR" dirty="0" smtClean="0"/>
+              <a:t> * *		 *</a:t>
+            </a:r>
+            <a:r>
+              <a:rPr lang="en-US" altLang="ko-KR" dirty="0"/>
+              <a:t> </a:t>
+            </a:r>
+            <a:r>
+              <a:rPr lang="en-US" altLang="ko-KR" dirty="0" smtClean="0"/>
+              <a:t>*</a:t>
+            </a:r>
+            <a:r>
+              <a:rPr lang="en-US" altLang="ko-KR" dirty="0"/>
+              <a:t> </a:t>
+            </a:r>
+            <a:r>
+              <a:rPr lang="en-US" altLang="ko-KR" dirty="0" smtClean="0"/>
+              <a:t>*</a:t>
+            </a:r>
+            <a:r>
+              <a:rPr lang="en-US" altLang="ko-KR" dirty="0"/>
+              <a:t> </a:t>
+            </a:r>
+            <a:r>
+              <a:rPr lang="en-US" altLang="ko-KR" dirty="0" smtClean="0"/>
+              <a:t>*		</a:t>
+            </a:r>
+            <a:r>
+              <a:rPr lang="en-US" altLang="ko-KR" dirty="0"/>
+              <a:t> </a:t>
+            </a:r>
+            <a:r>
+              <a:rPr lang="en-US" altLang="ko-KR" dirty="0" smtClean="0"/>
+              <a:t>  * *</a:t>
+            </a:r>
+            <a:r>
+              <a:rPr lang="en-US" altLang="ko-KR" dirty="0"/>
+              <a:t> </a:t>
+            </a:r>
+            <a:r>
+              <a:rPr lang="en-US" altLang="ko-KR" dirty="0" smtClean="0"/>
+              <a:t>*</a:t>
+            </a:r>
+            <a:r>
+              <a:rPr lang="en-US" altLang="ko-KR" dirty="0"/>
+              <a:t> </a:t>
+            </a:r>
+            <a:r>
+              <a:rPr lang="en-US" altLang="ko-KR" dirty="0" smtClean="0"/>
+              <a:t>*		</a:t>
+            </a:r>
+            <a:r>
+              <a:rPr lang="en-US" altLang="ko-KR" dirty="0"/>
+              <a:t> </a:t>
+            </a:r>
+            <a:r>
+              <a:rPr lang="en-US" altLang="ko-KR" dirty="0" smtClean="0"/>
+              <a:t>      * </a:t>
+            </a:r>
+            <a:r>
+              <a:rPr lang="en-US" altLang="ko-KR" dirty="0"/>
+              <a:t>*</a:t>
+            </a:r>
+            <a:endParaRPr lang="en-US" altLang="ko-KR" dirty="0" smtClean="0"/>
+          </a:p>
+          <a:p>
+            <a:r>
+              <a:rPr lang="en-US" altLang="ko-KR" dirty="0" smtClean="0"/>
+              <a:t> * * *		 *</a:t>
+            </a:r>
+            <a:r>
+              <a:rPr lang="en-US" altLang="ko-KR" dirty="0"/>
+              <a:t> </a:t>
+            </a:r>
+            <a:r>
+              <a:rPr lang="en-US" altLang="ko-KR" dirty="0" smtClean="0"/>
+              <a:t>*</a:t>
+            </a:r>
+            <a:r>
+              <a:rPr lang="en-US" altLang="ko-KR" dirty="0"/>
+              <a:t> </a:t>
+            </a:r>
+            <a:r>
+              <a:rPr lang="en-US" altLang="ko-KR" dirty="0" smtClean="0"/>
+              <a:t>*		</a:t>
+            </a:r>
+            <a:r>
+              <a:rPr lang="en-US" altLang="ko-KR" dirty="0"/>
+              <a:t> </a:t>
+            </a:r>
+            <a:r>
+              <a:rPr lang="en-US" altLang="ko-KR" dirty="0" smtClean="0"/>
+              <a:t>    * *</a:t>
+            </a:r>
+            <a:r>
+              <a:rPr lang="en-US" altLang="ko-KR" dirty="0"/>
+              <a:t> </a:t>
+            </a:r>
+            <a:r>
+              <a:rPr lang="en-US" altLang="ko-KR" dirty="0" smtClean="0"/>
+              <a:t>*		     * *</a:t>
+            </a:r>
+            <a:r>
+              <a:rPr lang="en-US" altLang="ko-KR" dirty="0"/>
+              <a:t> *</a:t>
+            </a:r>
+            <a:endParaRPr lang="en-US" altLang="ko-KR" dirty="0" smtClean="0"/>
+          </a:p>
+          <a:p>
+            <a:r>
+              <a:rPr lang="en-US" altLang="ko-KR" dirty="0" smtClean="0"/>
+              <a:t> * * * *		 *</a:t>
+            </a:r>
+            <a:r>
+              <a:rPr lang="en-US" altLang="ko-KR" dirty="0"/>
+              <a:t> </a:t>
+            </a:r>
+            <a:r>
+              <a:rPr lang="en-US" altLang="ko-KR" dirty="0" smtClean="0"/>
+              <a:t>*		</a:t>
+            </a:r>
+            <a:r>
+              <a:rPr lang="en-US" altLang="ko-KR" dirty="0"/>
+              <a:t> </a:t>
+            </a:r>
+            <a:r>
+              <a:rPr lang="en-US" altLang="ko-KR" dirty="0" smtClean="0"/>
+              <a:t>      * *		   * *</a:t>
+            </a:r>
+            <a:r>
+              <a:rPr lang="en-US" altLang="ko-KR" dirty="0"/>
+              <a:t> </a:t>
+            </a:r>
+            <a:r>
+              <a:rPr lang="en-US" altLang="ko-KR" dirty="0" smtClean="0"/>
+              <a:t>*</a:t>
+            </a:r>
+            <a:r>
+              <a:rPr lang="en-US" altLang="ko-KR" dirty="0"/>
+              <a:t> *</a:t>
+            </a:r>
+            <a:endParaRPr lang="en-US" altLang="ko-KR" dirty="0" smtClean="0"/>
+          </a:p>
+          <a:p>
+            <a:r>
+              <a:rPr lang="en-US" altLang="ko-KR" dirty="0" smtClean="0"/>
+              <a:t> * * * * *		 *		</a:t>
+            </a:r>
+            <a:r>
+              <a:rPr lang="en-US" altLang="ko-KR" dirty="0"/>
+              <a:t> </a:t>
+            </a:r>
+            <a:r>
+              <a:rPr lang="en-US" altLang="ko-KR" dirty="0" smtClean="0"/>
+              <a:t>        *		</a:t>
+            </a:r>
+            <a:r>
+              <a:rPr lang="en-US" altLang="ko-KR" dirty="0"/>
+              <a:t> </a:t>
+            </a:r>
+            <a:r>
+              <a:rPr lang="en-US" altLang="ko-KR" dirty="0" smtClean="0"/>
+              <a:t>*</a:t>
+            </a:r>
+            <a:r>
+              <a:rPr lang="en-US" altLang="ko-KR" dirty="0"/>
+              <a:t> </a:t>
+            </a:r>
+            <a:r>
+              <a:rPr lang="en-US" altLang="ko-KR" dirty="0" smtClean="0"/>
+              <a:t>*</a:t>
+            </a:r>
+            <a:r>
+              <a:rPr lang="en-US" altLang="ko-KR" dirty="0"/>
+              <a:t> </a:t>
+            </a:r>
+            <a:r>
+              <a:rPr lang="en-US" altLang="ko-KR" dirty="0" smtClean="0"/>
+              <a:t>*</a:t>
+            </a:r>
+            <a:r>
+              <a:rPr lang="en-US" altLang="ko-KR" dirty="0"/>
+              <a:t> </a:t>
+            </a:r>
+            <a:r>
+              <a:rPr lang="en-US" altLang="ko-KR" dirty="0" smtClean="0"/>
+              <a:t>*</a:t>
+            </a:r>
+            <a:r>
+              <a:rPr lang="en-US" altLang="ko-KR" dirty="0"/>
+              <a:t> *</a:t>
+            </a:r>
+            <a:endParaRPr lang="en-US" altLang="ko-KR" dirty="0" smtClean="0"/>
+          </a:p>
+          <a:p>
+            <a:endParaRPr lang="en-US" altLang="ko-KR" dirty="0" smtClean="0"/>
+          </a:p>
+          <a:p>
+            <a:endParaRPr lang="en-US" altLang="ko-KR" dirty="0"/>
+          </a:p>
+          <a:p>
+            <a:endParaRPr lang="en-US" altLang="ko-KR" dirty="0" smtClean="0"/>
+          </a:p>
+          <a:p>
+            <a:endParaRPr lang="ko-KR" altLang="en-US" dirty="0"/>
+          </a:p>
+        </p:txBody>
+      </p:sp>
+      <p:sp>
+        <p:nvSpPr>
+          <p:cNvPr id="3" name="TextBox 2"/>
+          <p:cNvSpPr txBox="1"/>
+          <p:nvPr/>
+        </p:nvSpPr>
+        <p:spPr>
+          <a:xfrm>
+            <a:off x="633046" y="272562"/>
+            <a:ext cx="10928839" cy="477054"/>
+          </a:xfrm>
+          <a:prstGeom prst="rect">
+            <a:avLst/>
+          </a:prstGeom>
+          <a:noFill/>
+        </p:spPr>
+        <p:txBody>
+          <a:bodyPr wrap="square" rtlCol="0">
+            <a:spAutoFit/>
+          </a:bodyPr>
+          <a:lstStyle/>
+          <a:p>
+            <a:r>
+              <a:rPr lang="ko-KR" altLang="en-US" sz="2500" b="1" dirty="0" err="1" smtClean="0"/>
+              <a:t>반복문</a:t>
+            </a:r>
+            <a:r>
+              <a:rPr lang="ko-KR" altLang="en-US" sz="2500" b="1" dirty="0" smtClean="0"/>
+              <a:t> </a:t>
+            </a:r>
+            <a:r>
+              <a:rPr lang="en-US" altLang="ko-KR" sz="2500" b="1" dirty="0" smtClean="0"/>
+              <a:t>(</a:t>
+            </a:r>
+            <a:r>
+              <a:rPr lang="ko-KR" altLang="en-US" sz="2500" b="1" dirty="0" smtClean="0"/>
+              <a:t>다중 </a:t>
+            </a:r>
+            <a:r>
+              <a:rPr lang="en-US" altLang="ko-KR" sz="2500" b="1" dirty="0" smtClean="0"/>
+              <a:t>for</a:t>
+            </a:r>
+            <a:r>
+              <a:rPr lang="ko-KR" altLang="en-US" sz="2500" b="1" dirty="0" smtClean="0"/>
+              <a:t>문</a:t>
+            </a:r>
+            <a:r>
+              <a:rPr lang="en-US" altLang="ko-KR" sz="2500" b="1" dirty="0" smtClean="0"/>
+              <a:t>)</a:t>
+            </a:r>
+            <a:endParaRPr lang="ko-KR" altLang="en-US" sz="2500" b="1" dirty="0"/>
+          </a:p>
+        </p:txBody>
+      </p:sp>
+    </p:spTree>
+    <p:extLst>
+      <p:ext uri="{BB962C8B-B14F-4D97-AF65-F5344CB8AC3E}">
+        <p14:creationId xmlns:p14="http://schemas.microsoft.com/office/powerpoint/2010/main" val="3613554998"/>
+      </p:ext>
+    </p:extLst>
+  </p:cSld>
+  <p:clrMapOvr>
+    <a:masterClrMapping/>
+  </p:clrMapOvr>
+  <p:timing>
+    <p:tnLst>
+      <p:par>
+        <p:cTn id="1" dur="indefinite" restart="never" nodeType="tmRoot"/>
+      </p:par>
+    </p:tnLst>
+  </p:timing>
+</p:sld>
+</file>
+
+<file path=ppt/slides/slide15.xml><?xml version="1.0" encoding="utf-8"?>
+<p:sld xmlns:a="http://schemas.openxmlformats.org/drawingml/2006/main" xmlns:r="http://schemas.openxmlformats.org/officeDocument/2006/relationships" xmlns:p="http://schemas.openxmlformats.org/presentationml/2006/main">
+  <p:cSld>
+    <p:spTree>
+      <p:nvGrpSpPr>
+        <p:cNvPr id="1" name=""/>
+        <p:cNvGrpSpPr/>
+        <p:nvPr/>
+      </p:nvGrpSpPr>
+      <p:grpSpPr>
+        <a:xfrm>
+          <a:off x="0" y="0"/>
+          <a:ext cx="0" cy="0"/>
+          <a:chOff x="0" y="0"/>
+          <a:chExt cx="0" cy="0"/>
+        </a:xfrm>
+      </p:grpSpPr>
+      <p:sp>
+        <p:nvSpPr>
+          <p:cNvPr id="2" name="TextBox 1"/>
+          <p:cNvSpPr txBox="1"/>
+          <p:nvPr/>
+        </p:nvSpPr>
+        <p:spPr>
+          <a:xfrm>
+            <a:off x="773724" y="1186962"/>
+            <a:ext cx="10788161" cy="4832092"/>
+          </a:xfrm>
+          <a:prstGeom prst="rect">
+            <a:avLst/>
+          </a:prstGeom>
+          <a:noFill/>
+        </p:spPr>
+        <p:txBody>
+          <a:bodyPr wrap="square" rtlCol="0">
+            <a:spAutoFit/>
+          </a:bodyPr>
+          <a:lstStyle/>
+          <a:p>
+            <a:r>
+              <a:rPr lang="en-US" altLang="ko-KR" b="1" dirty="0" smtClean="0">
+                <a:solidFill>
+                  <a:schemeClr val="accent2"/>
+                </a:solidFill>
+              </a:rPr>
+              <a:t>[ </a:t>
+            </a:r>
+            <a:r>
+              <a:rPr lang="ko-KR" altLang="en-US" b="1" dirty="0" smtClean="0">
+                <a:solidFill>
+                  <a:schemeClr val="accent2"/>
+                </a:solidFill>
+              </a:rPr>
+              <a:t>쓰는 이유</a:t>
+            </a:r>
+            <a:r>
+              <a:rPr lang="ko-KR" altLang="en-US" b="1" dirty="0" smtClean="0">
+                <a:solidFill>
+                  <a:schemeClr val="accent2"/>
+                </a:solidFill>
+              </a:rPr>
+              <a:t> </a:t>
+            </a:r>
+            <a:r>
+              <a:rPr lang="en-US" altLang="ko-KR" b="1" dirty="0" smtClean="0">
+                <a:solidFill>
+                  <a:schemeClr val="accent2"/>
+                </a:solidFill>
+              </a:rPr>
+              <a:t>]</a:t>
+            </a:r>
+          </a:p>
+          <a:p>
+            <a:endParaRPr lang="en-US" altLang="ko-KR" sz="500" b="1" dirty="0" smtClean="0">
+              <a:solidFill>
+                <a:schemeClr val="accent2"/>
+              </a:solidFill>
+            </a:endParaRPr>
+          </a:p>
+          <a:p>
+            <a:r>
+              <a:rPr lang="ko-KR" altLang="en-US" dirty="0" smtClean="0"/>
+              <a:t>자주 사용되는 코드를 반복해서 작성하면 비효율적이기 때문</a:t>
+            </a:r>
+            <a:r>
+              <a:rPr lang="en-US" altLang="ko-KR" dirty="0" smtClean="0"/>
+              <a:t>.</a:t>
+            </a:r>
+            <a:endParaRPr lang="en-US" altLang="ko-KR" dirty="0" smtClean="0"/>
+          </a:p>
+          <a:p>
+            <a:endParaRPr lang="en-US" altLang="ko-KR" dirty="0" smtClean="0"/>
+          </a:p>
+          <a:p>
+            <a:endParaRPr lang="en-US" altLang="ko-KR" dirty="0" smtClean="0"/>
+          </a:p>
+          <a:p>
+            <a:r>
+              <a:rPr lang="en-US" altLang="ko-KR" b="1" dirty="0" smtClean="0">
+                <a:solidFill>
+                  <a:schemeClr val="accent2"/>
+                </a:solidFill>
+              </a:rPr>
+              <a:t>[ </a:t>
+            </a:r>
+            <a:r>
+              <a:rPr lang="ko-KR" altLang="en-US" b="1" dirty="0" smtClean="0">
+                <a:solidFill>
+                  <a:schemeClr val="accent2"/>
+                </a:solidFill>
+              </a:rPr>
+              <a:t>종류</a:t>
+            </a:r>
+            <a:r>
+              <a:rPr lang="en-US" altLang="ko-KR" b="1" dirty="0" smtClean="0">
+                <a:solidFill>
+                  <a:schemeClr val="accent2"/>
+                </a:solidFill>
+              </a:rPr>
+              <a:t> </a:t>
+            </a:r>
+            <a:r>
+              <a:rPr lang="en-US" altLang="ko-KR" b="1" dirty="0" smtClean="0">
+                <a:solidFill>
+                  <a:schemeClr val="accent2"/>
+                </a:solidFill>
+              </a:rPr>
+              <a:t>]</a:t>
+            </a:r>
+          </a:p>
+          <a:p>
+            <a:endParaRPr lang="en-US" altLang="ko-KR" sz="500" b="1" dirty="0" smtClean="0">
+              <a:solidFill>
+                <a:schemeClr val="accent2"/>
+              </a:solidFill>
+            </a:endParaRPr>
+          </a:p>
+          <a:p>
+            <a:endParaRPr lang="en-US" altLang="ko-KR" sz="500" b="1" dirty="0">
+              <a:solidFill>
+                <a:schemeClr val="accent2"/>
+              </a:solidFill>
+            </a:endParaRPr>
+          </a:p>
+          <a:p>
+            <a:endParaRPr lang="en-US" altLang="ko-KR" sz="500" b="1" dirty="0" smtClean="0">
+              <a:solidFill>
+                <a:schemeClr val="accent2"/>
+              </a:solidFill>
+            </a:endParaRPr>
+          </a:p>
+          <a:p>
+            <a:r>
+              <a:rPr lang="ko-KR" altLang="en-US" b="1" dirty="0" smtClean="0"/>
+              <a:t>라이브러리 함수</a:t>
+            </a:r>
+            <a:endParaRPr lang="en-US" altLang="ko-KR" b="1" dirty="0" smtClean="0"/>
+          </a:p>
+          <a:p>
+            <a:endParaRPr lang="en-US" altLang="ko-KR" dirty="0" smtClean="0"/>
+          </a:p>
+          <a:p>
+            <a:r>
+              <a:rPr lang="en-US" altLang="ko-KR" dirty="0" smtClean="0"/>
+              <a:t>- </a:t>
+            </a:r>
+            <a:r>
+              <a:rPr lang="ko-KR" altLang="en-US" dirty="0" smtClean="0"/>
+              <a:t>컴파일러에서 미리 작성하여 제공</a:t>
+            </a:r>
+            <a:r>
+              <a:rPr lang="en-US" altLang="ko-KR" dirty="0" smtClean="0"/>
+              <a:t>	(ex. </a:t>
+            </a:r>
+            <a:r>
+              <a:rPr lang="en-US" altLang="ko-KR" dirty="0" err="1" smtClean="0"/>
+              <a:t>printf</a:t>
+            </a:r>
+            <a:r>
+              <a:rPr lang="en-US" altLang="ko-KR" dirty="0" smtClean="0"/>
+              <a:t>, </a:t>
+            </a:r>
+            <a:r>
+              <a:rPr lang="en-US" altLang="ko-KR" dirty="0" err="1" smtClean="0"/>
+              <a:t>scanf</a:t>
+            </a:r>
+            <a:r>
+              <a:rPr lang="en-US" altLang="ko-KR" dirty="0" smtClean="0"/>
+              <a:t>)</a:t>
+            </a:r>
+          </a:p>
+          <a:p>
+            <a:r>
+              <a:rPr lang="en-US" altLang="ko-KR" dirty="0" smtClean="0"/>
+              <a:t>- </a:t>
+            </a:r>
+            <a:r>
+              <a:rPr lang="ko-KR" altLang="en-US" dirty="0" smtClean="0"/>
+              <a:t>라이브러리 함수에 있는 것은 다시 작성하는 것은 </a:t>
+            </a:r>
+            <a:r>
+              <a:rPr lang="ko-KR" altLang="en-US" dirty="0" err="1" smtClean="0"/>
+              <a:t>의미없음</a:t>
+            </a:r>
+            <a:r>
+              <a:rPr lang="en-US" altLang="ko-KR" dirty="0" smtClean="0"/>
+              <a:t>.</a:t>
+            </a:r>
+          </a:p>
+          <a:p>
+            <a:pPr marL="285750" indent="-285750">
+              <a:buFontTx/>
+              <a:buChar char="-"/>
+            </a:pPr>
+            <a:endParaRPr lang="en-US" altLang="ko-KR" dirty="0" smtClean="0"/>
+          </a:p>
+          <a:p>
+            <a:endParaRPr lang="en-US" altLang="ko-KR" dirty="0"/>
+          </a:p>
+          <a:p>
+            <a:r>
+              <a:rPr lang="ko-KR" altLang="en-US" b="1" dirty="0" smtClean="0"/>
+              <a:t>사용자 정의 함수</a:t>
+            </a:r>
+            <a:endParaRPr lang="en-US" altLang="ko-KR" b="1" dirty="0" smtClean="0"/>
+          </a:p>
+          <a:p>
+            <a:endParaRPr lang="en-US" altLang="ko-KR" dirty="0"/>
+          </a:p>
+          <a:p>
+            <a:r>
+              <a:rPr lang="en-US" altLang="ko-KR" dirty="0" smtClean="0"/>
+              <a:t>- </a:t>
+            </a:r>
+            <a:r>
+              <a:rPr lang="ko-KR" altLang="en-US" dirty="0" smtClean="0"/>
+              <a:t>자신이 필요한 함수를 프로그래머가 직접 만들어 사용하는 것</a:t>
+            </a:r>
+            <a:r>
+              <a:rPr lang="en-US" altLang="ko-KR" dirty="0" smtClean="0"/>
+              <a:t>.</a:t>
+            </a:r>
+          </a:p>
+          <a:p>
+            <a:endParaRPr lang="en-US" altLang="ko-KR" dirty="0"/>
+          </a:p>
+          <a:p>
+            <a:endParaRPr lang="ko-KR" altLang="en-US" dirty="0"/>
+          </a:p>
+        </p:txBody>
+      </p:sp>
+      <p:sp>
+        <p:nvSpPr>
+          <p:cNvPr id="3" name="TextBox 2"/>
+          <p:cNvSpPr txBox="1"/>
+          <p:nvPr/>
+        </p:nvSpPr>
+        <p:spPr>
+          <a:xfrm>
+            <a:off x="633046" y="272562"/>
+            <a:ext cx="10928839" cy="477054"/>
+          </a:xfrm>
+          <a:prstGeom prst="rect">
+            <a:avLst/>
+          </a:prstGeom>
+          <a:noFill/>
+        </p:spPr>
+        <p:txBody>
+          <a:bodyPr wrap="square" rtlCol="0">
+            <a:spAutoFit/>
+          </a:bodyPr>
+          <a:lstStyle/>
+          <a:p>
+            <a:r>
+              <a:rPr lang="ko-KR" altLang="en-US" sz="2500" b="1" dirty="0" smtClean="0"/>
+              <a:t>함수</a:t>
+            </a:r>
+            <a:endParaRPr lang="ko-KR" altLang="en-US" sz="2500" b="1" dirty="0"/>
+          </a:p>
+        </p:txBody>
+      </p:sp>
+    </p:spTree>
+    <p:extLst>
+      <p:ext uri="{BB962C8B-B14F-4D97-AF65-F5344CB8AC3E}">
+        <p14:creationId xmlns:p14="http://schemas.microsoft.com/office/powerpoint/2010/main" val="3489354552"/>
+      </p:ext>
+    </p:extLst>
+  </p:cSld>
+  <p:clrMapOvr>
+    <a:masterClrMapping/>
+  </p:clrMapOvr>
+  <p:timing>
+    <p:tnLst>
+      <p:par>
+        <p:cTn id="1" dur="indefinite" restart="never" nodeType="tmRoot"/>
+      </p:par>
+    </p:tnLst>
+  </p:timing>
+</p:sld>
+</file>
+
+<file path=ppt/slides/slide16.xml><?xml version="1.0" encoding="utf-8"?>
+<p:sld xmlns:a="http://schemas.openxmlformats.org/drawingml/2006/main" xmlns:r="http://schemas.openxmlformats.org/officeDocument/2006/relationships" xmlns:p="http://schemas.openxmlformats.org/presentationml/2006/main">
+  <p:cSld>
+    <p:spTree>
+      <p:nvGrpSpPr>
+        <p:cNvPr id="1" name=""/>
+        <p:cNvGrpSpPr/>
+        <p:nvPr/>
+      </p:nvGrpSpPr>
+      <p:grpSpPr>
+        <a:xfrm>
+          <a:off x="0" y="0"/>
+          <a:ext cx="0" cy="0"/>
+          <a:chOff x="0" y="0"/>
+          <a:chExt cx="0" cy="0"/>
+        </a:xfrm>
+      </p:grpSpPr>
+      <p:sp>
+        <p:nvSpPr>
+          <p:cNvPr id="2" name="TextBox 1"/>
+          <p:cNvSpPr txBox="1"/>
+          <p:nvPr/>
+        </p:nvSpPr>
+        <p:spPr>
+          <a:xfrm>
+            <a:off x="773724" y="1186962"/>
+            <a:ext cx="10788161" cy="4755148"/>
+          </a:xfrm>
+          <a:prstGeom prst="rect">
+            <a:avLst/>
+          </a:prstGeom>
+          <a:noFill/>
+        </p:spPr>
+        <p:txBody>
+          <a:bodyPr wrap="square" rtlCol="0">
+            <a:spAutoFit/>
+          </a:bodyPr>
+          <a:lstStyle/>
+          <a:p>
+            <a:r>
+              <a:rPr lang="en-US" altLang="ko-KR" b="1" dirty="0" smtClean="0">
+                <a:solidFill>
+                  <a:schemeClr val="accent2"/>
+                </a:solidFill>
+              </a:rPr>
+              <a:t>[ </a:t>
+            </a:r>
+            <a:r>
+              <a:rPr lang="ko-KR" altLang="en-US" b="1" dirty="0" smtClean="0">
+                <a:solidFill>
+                  <a:schemeClr val="accent2"/>
+                </a:solidFill>
+              </a:rPr>
+              <a:t>반환형 </a:t>
+            </a:r>
+            <a:r>
+              <a:rPr lang="en-US" altLang="ko-KR" b="1" dirty="0" smtClean="0">
+                <a:solidFill>
+                  <a:schemeClr val="accent2"/>
+                </a:solidFill>
+              </a:rPr>
+              <a:t>]</a:t>
+            </a:r>
+            <a:endParaRPr lang="en-US" altLang="ko-KR" b="1" dirty="0" smtClean="0">
+              <a:solidFill>
+                <a:schemeClr val="accent2"/>
+              </a:solidFill>
+            </a:endParaRPr>
+          </a:p>
+          <a:p>
+            <a:endParaRPr lang="en-US" altLang="ko-KR" sz="500" b="1" dirty="0" smtClean="0">
+              <a:solidFill>
+                <a:schemeClr val="accent2"/>
+              </a:solidFill>
+            </a:endParaRPr>
+          </a:p>
+          <a:p>
+            <a:r>
+              <a:rPr lang="ko-KR" altLang="en-US" dirty="0" smtClean="0"/>
+              <a:t>함수를 실행하고 호출한 곳으로 돌려주는 데이터 유형</a:t>
+            </a:r>
+            <a:endParaRPr lang="en-US" altLang="ko-KR" dirty="0" smtClean="0"/>
+          </a:p>
+          <a:p>
+            <a:endParaRPr lang="en-US" altLang="ko-KR" dirty="0" smtClean="0"/>
+          </a:p>
+          <a:p>
+            <a:endParaRPr lang="en-US" altLang="ko-KR" dirty="0" smtClean="0"/>
+          </a:p>
+          <a:p>
+            <a:r>
+              <a:rPr lang="en-US" altLang="ko-KR" b="1" dirty="0" smtClean="0">
+                <a:solidFill>
+                  <a:schemeClr val="accent2"/>
+                </a:solidFill>
+              </a:rPr>
+              <a:t>[ </a:t>
+            </a:r>
+            <a:r>
+              <a:rPr lang="ko-KR" altLang="en-US" b="1" dirty="0" smtClean="0">
+                <a:solidFill>
+                  <a:schemeClr val="accent2"/>
+                </a:solidFill>
+              </a:rPr>
+              <a:t>매개변수 </a:t>
+            </a:r>
+            <a:r>
+              <a:rPr lang="en-US" altLang="ko-KR" b="1" dirty="0" smtClean="0">
+                <a:solidFill>
+                  <a:schemeClr val="accent2"/>
+                </a:solidFill>
+              </a:rPr>
+              <a:t>(</a:t>
+            </a:r>
+            <a:r>
+              <a:rPr lang="en-US" altLang="ko-KR" b="1" dirty="0" smtClean="0">
+                <a:solidFill>
+                  <a:schemeClr val="accent2"/>
+                </a:solidFill>
+              </a:rPr>
+              <a:t>parameter</a:t>
+            </a:r>
+            <a:r>
+              <a:rPr lang="en-US" altLang="ko-KR" b="1" dirty="0" smtClean="0">
+                <a:solidFill>
+                  <a:schemeClr val="accent2"/>
+                </a:solidFill>
+              </a:rPr>
+              <a:t>) </a:t>
+            </a:r>
+            <a:r>
+              <a:rPr lang="en-US" altLang="ko-KR" b="1" dirty="0" smtClean="0">
+                <a:solidFill>
+                  <a:schemeClr val="accent2"/>
+                </a:solidFill>
+              </a:rPr>
+              <a:t>]</a:t>
+            </a:r>
+          </a:p>
+          <a:p>
+            <a:endParaRPr lang="en-US" altLang="ko-KR" sz="500" b="1" dirty="0" smtClean="0">
+              <a:solidFill>
+                <a:schemeClr val="accent2"/>
+              </a:solidFill>
+            </a:endParaRPr>
+          </a:p>
+          <a:p>
+            <a:r>
+              <a:rPr lang="ko-KR" altLang="en-US" dirty="0" smtClean="0"/>
+              <a:t>외부에서 전달되는 데이터</a:t>
+            </a:r>
+            <a:endParaRPr lang="en-US" altLang="ko-KR" dirty="0" smtClean="0"/>
+          </a:p>
+          <a:p>
+            <a:endParaRPr lang="en-US" altLang="ko-KR" dirty="0" smtClean="0"/>
+          </a:p>
+          <a:p>
+            <a:endParaRPr lang="en-US" altLang="ko-KR" dirty="0"/>
+          </a:p>
+          <a:p>
+            <a:r>
+              <a:rPr lang="en-US" altLang="ko-KR" b="1" dirty="0">
+                <a:solidFill>
+                  <a:schemeClr val="accent2"/>
+                </a:solidFill>
+              </a:rPr>
+              <a:t>[ </a:t>
+            </a:r>
+            <a:r>
+              <a:rPr lang="ko-KR" altLang="en-US" b="1" dirty="0" smtClean="0">
+                <a:solidFill>
+                  <a:schemeClr val="accent2"/>
+                </a:solidFill>
+              </a:rPr>
+              <a:t>인수 </a:t>
+            </a:r>
+            <a:r>
+              <a:rPr lang="en-US" altLang="ko-KR" b="1" dirty="0" smtClean="0">
+                <a:solidFill>
+                  <a:schemeClr val="accent2"/>
+                </a:solidFill>
+              </a:rPr>
+              <a:t>(argument) </a:t>
+            </a:r>
+            <a:r>
+              <a:rPr lang="en-US" altLang="ko-KR" b="1" dirty="0">
+                <a:solidFill>
+                  <a:schemeClr val="accent2"/>
+                </a:solidFill>
+              </a:rPr>
+              <a:t>]</a:t>
+            </a:r>
+          </a:p>
+          <a:p>
+            <a:endParaRPr lang="en-US" altLang="ko-KR" sz="500" b="1" dirty="0">
+              <a:solidFill>
+                <a:schemeClr val="accent2"/>
+              </a:solidFill>
+            </a:endParaRPr>
+          </a:p>
+          <a:p>
+            <a:r>
+              <a:rPr lang="ko-KR" altLang="en-US" dirty="0" smtClean="0"/>
+              <a:t>함수에 실제로 전달되는 값</a:t>
+            </a:r>
+            <a:endParaRPr lang="en-US" altLang="ko-KR" dirty="0"/>
+          </a:p>
+          <a:p>
+            <a:endParaRPr lang="en-US" altLang="ko-KR" dirty="0" smtClean="0"/>
+          </a:p>
+          <a:p>
+            <a:endParaRPr lang="en-US" altLang="ko-KR" dirty="0"/>
+          </a:p>
+          <a:p>
+            <a:r>
+              <a:rPr lang="en-US" altLang="ko-KR" dirty="0" smtClean="0">
+                <a:solidFill>
+                  <a:srgbClr val="FF0000"/>
+                </a:solidFill>
+              </a:rPr>
+              <a:t>※ </a:t>
+            </a:r>
+            <a:r>
+              <a:rPr lang="ko-KR" altLang="en-US" dirty="0" smtClean="0">
+                <a:solidFill>
+                  <a:srgbClr val="FF0000"/>
+                </a:solidFill>
+              </a:rPr>
+              <a:t>주의 </a:t>
+            </a:r>
+            <a:r>
+              <a:rPr lang="en-US" altLang="ko-KR" dirty="0" smtClean="0">
+                <a:solidFill>
+                  <a:srgbClr val="FF0000"/>
+                </a:solidFill>
+              </a:rPr>
+              <a:t>※</a:t>
+            </a:r>
+          </a:p>
+          <a:p>
+            <a:r>
+              <a:rPr lang="en-US" altLang="ko-KR" dirty="0" smtClean="0"/>
+              <a:t>- </a:t>
+            </a:r>
+            <a:r>
+              <a:rPr lang="ko-KR" altLang="en-US" dirty="0" smtClean="0"/>
+              <a:t>매개변수와 인수의 타입은 일치해야 함</a:t>
+            </a:r>
+            <a:r>
+              <a:rPr lang="en-US" altLang="ko-KR" dirty="0" smtClean="0"/>
+              <a:t>.</a:t>
+            </a:r>
+          </a:p>
+          <a:p>
+            <a:r>
+              <a:rPr lang="en-US" altLang="ko-KR" dirty="0" smtClean="0"/>
+              <a:t>- </a:t>
+            </a:r>
+            <a:r>
+              <a:rPr lang="ko-KR" altLang="en-US" dirty="0" smtClean="0"/>
+              <a:t>매개변수의 개수와 인수의 개수는 일치해야 함</a:t>
+            </a:r>
+            <a:r>
+              <a:rPr lang="en-US" altLang="ko-KR" dirty="0" smtClean="0"/>
+              <a:t>.</a:t>
+            </a:r>
+          </a:p>
+          <a:p>
+            <a:endParaRPr lang="ko-KR" altLang="en-US" dirty="0"/>
+          </a:p>
+        </p:txBody>
+      </p:sp>
+      <p:sp>
+        <p:nvSpPr>
+          <p:cNvPr id="3" name="TextBox 2"/>
+          <p:cNvSpPr txBox="1"/>
+          <p:nvPr/>
+        </p:nvSpPr>
+        <p:spPr>
+          <a:xfrm>
+            <a:off x="633046" y="272562"/>
+            <a:ext cx="10928839" cy="477054"/>
+          </a:xfrm>
+          <a:prstGeom prst="rect">
+            <a:avLst/>
+          </a:prstGeom>
+          <a:noFill/>
+        </p:spPr>
+        <p:txBody>
+          <a:bodyPr wrap="square" rtlCol="0">
+            <a:spAutoFit/>
+          </a:bodyPr>
+          <a:lstStyle/>
+          <a:p>
+            <a:r>
+              <a:rPr lang="ko-KR" altLang="en-US" sz="2500" b="1" dirty="0" smtClean="0"/>
+              <a:t>함수</a:t>
+            </a:r>
+            <a:endParaRPr lang="ko-KR" altLang="en-US" sz="2500" b="1" dirty="0"/>
+          </a:p>
+        </p:txBody>
+      </p:sp>
+      <p:pic>
+        <p:nvPicPr>
+          <p:cNvPr id="5" name="그림 4"/>
+          <p:cNvPicPr>
+            <a:picLocks noChangeAspect="1"/>
+          </p:cNvPicPr>
+          <p:nvPr/>
+        </p:nvPicPr>
+        <p:blipFill>
+          <a:blip r:embed="rId2"/>
+          <a:stretch>
+            <a:fillRect/>
+          </a:stretch>
+        </p:blipFill>
+        <p:spPr>
+          <a:xfrm>
+            <a:off x="6759820" y="1186962"/>
+            <a:ext cx="4802065" cy="5225104"/>
+          </a:xfrm>
+          <a:prstGeom prst="rect">
+            <a:avLst/>
+          </a:prstGeom>
+        </p:spPr>
+      </p:pic>
+    </p:spTree>
+    <p:extLst>
+      <p:ext uri="{BB962C8B-B14F-4D97-AF65-F5344CB8AC3E}">
+        <p14:creationId xmlns:p14="http://schemas.microsoft.com/office/powerpoint/2010/main" val="1582637007"/>
+      </p:ext>
+    </p:extLst>
+  </p:cSld>
+  <p:clrMapOvr>
+    <a:masterClrMapping/>
+  </p:clrMapOvr>
+  <p:timing>
+    <p:tnLst>
+      <p:par>
+        <p:cTn id="1" dur="indefinite" restart="never" nodeType="tmRoot">
+          <p:childTnLst>
+            <p:seq concurrent="1" nextAc="seek">
+              <p:cTn id="2" dur="indefinite" nodeType="mainSeq">
+                <p:childTnLst>
+                  <p:par>
+                    <p:cTn id="3" fill="hold">
+                      <p:stCondLst>
+                        <p:cond delay="indefinite"/>
+                      </p:stCondLst>
+                      <p:childTnLst>
+                        <p:par>
+                          <p:cTn id="4" fill="hold">
+                            <p:stCondLst>
+                              <p:cond delay="0"/>
+                            </p:stCondLst>
+                            <p:childTnLst>
+                              <p:par>
+                                <p:cTn id="5" presetID="1" presetClass="entr" presetSubtype="0" fill="hold" nodeType="clickEffect">
+                                  <p:stCondLst>
+                                    <p:cond delay="0"/>
+                                  </p:stCondLst>
+                                  <p:childTnLst>
+                                    <p:set>
+                                      <p:cBhvr>
+                                        <p:cTn id="6" dur="1" fill="hold">
+                                          <p:stCondLst>
+                                            <p:cond delay="0"/>
+                                          </p:stCondLst>
+                                        </p:cTn>
+                                        <p:tgtEl>
+                                          <p:spTgt spid="5"/>
+                                        </p:tgtEl>
+                                        <p:attrNameLst>
+                                          <p:attrName>style.visibility</p:attrName>
+                                        </p:attrNameLst>
+                                      </p:cBhvr>
+                                      <p:to>
+                                        <p:strVal val="visible"/>
+                                      </p:to>
+                                    </p:set>
+                                  </p:childTnLst>
+                                </p:cTn>
+                              </p:par>
+                            </p:childTnLst>
+                          </p:cTn>
+                        </p:par>
+                      </p:childTnLst>
+                    </p:cTn>
+                  </p:par>
+                </p:childTnLst>
+              </p:cTn>
+              <p:prevCondLst>
+                <p:cond evt="onPrev" delay="0">
+                  <p:tgtEl>
+                    <p:sldTgt/>
+                  </p:tgtEl>
+                </p:cond>
+              </p:prevCondLst>
+              <p:nextCondLst>
+                <p:cond evt="onNext" delay="0">
+                  <p:tgtEl>
+                    <p:sldTgt/>
+                  </p:tgtEl>
+                </p:cond>
+              </p:nextCondLst>
+            </p:seq>
+          </p:childTnLst>
+        </p:cTn>
+      </p:par>
+    </p:tnLst>
+  </p:timing>
+</p:sld>
+</file>
+
+<file path=ppt/slides/slide17.xml><?xml version="1.0" encoding="utf-8"?>
+<p:sld xmlns:a="http://schemas.openxmlformats.org/drawingml/2006/main" xmlns:r="http://schemas.openxmlformats.org/officeDocument/2006/relationships" xmlns:p="http://schemas.openxmlformats.org/presentationml/2006/main">
+  <p:cSld>
+    <p:spTree>
+      <p:nvGrpSpPr>
+        <p:cNvPr id="1" name=""/>
+        <p:cNvGrpSpPr/>
+        <p:nvPr/>
+      </p:nvGrpSpPr>
+      <p:grpSpPr>
+        <a:xfrm>
+          <a:off x="0" y="0"/>
+          <a:ext cx="0" cy="0"/>
+          <a:chOff x="0" y="0"/>
+          <a:chExt cx="0" cy="0"/>
+        </a:xfrm>
+      </p:grpSpPr>
+      <p:sp>
+        <p:nvSpPr>
+          <p:cNvPr id="2" name="TextBox 1"/>
+          <p:cNvSpPr txBox="1"/>
+          <p:nvPr/>
+        </p:nvSpPr>
+        <p:spPr>
+          <a:xfrm>
+            <a:off x="773724" y="1186962"/>
+            <a:ext cx="10788161" cy="2739211"/>
+          </a:xfrm>
+          <a:prstGeom prst="rect">
+            <a:avLst/>
+          </a:prstGeom>
+          <a:noFill/>
+        </p:spPr>
+        <p:txBody>
+          <a:bodyPr wrap="square" rtlCol="0">
+            <a:spAutoFit/>
+          </a:bodyPr>
+          <a:lstStyle/>
+          <a:p>
+            <a:r>
+              <a:rPr lang="en-US" altLang="ko-KR" b="1" dirty="0" smtClean="0">
+                <a:solidFill>
+                  <a:schemeClr val="accent2"/>
+                </a:solidFill>
+              </a:rPr>
+              <a:t>[ </a:t>
+            </a:r>
+            <a:r>
+              <a:rPr lang="ko-KR" altLang="en-US" b="1" dirty="0" smtClean="0">
+                <a:solidFill>
+                  <a:schemeClr val="accent2"/>
+                </a:solidFill>
+              </a:rPr>
+              <a:t>지역변수 </a:t>
+            </a:r>
+            <a:r>
+              <a:rPr lang="en-US" altLang="ko-KR" b="1" dirty="0" smtClean="0">
+                <a:solidFill>
+                  <a:schemeClr val="accent2"/>
+                </a:solidFill>
+              </a:rPr>
+              <a:t>(Local </a:t>
+            </a:r>
+            <a:r>
+              <a:rPr lang="en-US" altLang="ko-KR" b="1" dirty="0">
+                <a:solidFill>
+                  <a:schemeClr val="accent2"/>
+                </a:solidFill>
+              </a:rPr>
+              <a:t>V</a:t>
+            </a:r>
+            <a:r>
+              <a:rPr lang="en-US" altLang="ko-KR" b="1" dirty="0" smtClean="0">
+                <a:solidFill>
+                  <a:schemeClr val="accent2"/>
+                </a:solidFill>
+              </a:rPr>
+              <a:t>ariable)</a:t>
+            </a:r>
+            <a:r>
+              <a:rPr lang="ko-KR" altLang="en-US" b="1" dirty="0" smtClean="0">
+                <a:solidFill>
+                  <a:schemeClr val="accent2"/>
+                </a:solidFill>
+              </a:rPr>
+              <a:t> </a:t>
+            </a:r>
+            <a:r>
+              <a:rPr lang="en-US" altLang="ko-KR" b="1" dirty="0" smtClean="0">
+                <a:solidFill>
+                  <a:schemeClr val="accent2"/>
+                </a:solidFill>
+              </a:rPr>
+              <a:t>]</a:t>
+            </a:r>
+            <a:endParaRPr lang="en-US" altLang="ko-KR" b="1" dirty="0" smtClean="0">
+              <a:solidFill>
+                <a:schemeClr val="accent2"/>
+              </a:solidFill>
+            </a:endParaRPr>
+          </a:p>
+          <a:p>
+            <a:endParaRPr lang="en-US" altLang="ko-KR" sz="500" b="1" dirty="0" smtClean="0">
+              <a:solidFill>
+                <a:schemeClr val="accent2"/>
+              </a:solidFill>
+            </a:endParaRPr>
+          </a:p>
+          <a:p>
+            <a:r>
+              <a:rPr lang="ko-KR" altLang="en-US" dirty="0" smtClean="0"/>
+              <a:t>함수 또는 블록 안에서 정의되는 변수</a:t>
+            </a:r>
+            <a:endParaRPr lang="en-US" altLang="ko-KR" dirty="0" smtClean="0"/>
+          </a:p>
+          <a:p>
+            <a:r>
+              <a:rPr lang="en-US" altLang="ko-KR" dirty="0" smtClean="0"/>
+              <a:t>(</a:t>
+            </a:r>
+            <a:r>
+              <a:rPr lang="ko-KR" altLang="en-US" dirty="0" smtClean="0"/>
+              <a:t>해당블록이나 함수 안에서만 사용가능</a:t>
+            </a:r>
+            <a:r>
+              <a:rPr lang="en-US" altLang="ko-KR" dirty="0" smtClean="0"/>
+              <a:t>)</a:t>
+            </a:r>
+            <a:endParaRPr lang="en-US" altLang="ko-KR" dirty="0" smtClean="0"/>
+          </a:p>
+          <a:p>
+            <a:endParaRPr lang="en-US" altLang="ko-KR" dirty="0" smtClean="0"/>
+          </a:p>
+          <a:p>
+            <a:endParaRPr lang="en-US" altLang="ko-KR" dirty="0" smtClean="0"/>
+          </a:p>
+          <a:p>
+            <a:r>
+              <a:rPr lang="en-US" altLang="ko-KR" b="1" dirty="0" smtClean="0">
+                <a:solidFill>
+                  <a:schemeClr val="accent2"/>
+                </a:solidFill>
+              </a:rPr>
+              <a:t>[ </a:t>
+            </a:r>
+            <a:r>
+              <a:rPr lang="ko-KR" altLang="en-US" b="1" dirty="0" err="1" smtClean="0">
+                <a:solidFill>
+                  <a:schemeClr val="accent2"/>
+                </a:solidFill>
+              </a:rPr>
+              <a:t>전역변수</a:t>
+            </a:r>
+            <a:r>
+              <a:rPr lang="ko-KR" altLang="en-US" b="1" dirty="0" smtClean="0">
+                <a:solidFill>
+                  <a:schemeClr val="accent2"/>
+                </a:solidFill>
+              </a:rPr>
+              <a:t> </a:t>
+            </a:r>
+            <a:r>
+              <a:rPr lang="en-US" altLang="ko-KR" b="1" dirty="0" smtClean="0">
+                <a:solidFill>
+                  <a:schemeClr val="accent2"/>
+                </a:solidFill>
+              </a:rPr>
+              <a:t>(</a:t>
+            </a:r>
+            <a:r>
+              <a:rPr lang="en-US" altLang="ko-KR" b="1" dirty="0">
+                <a:solidFill>
+                  <a:schemeClr val="accent2"/>
+                </a:solidFill>
+              </a:rPr>
+              <a:t>G</a:t>
+            </a:r>
+            <a:r>
+              <a:rPr lang="en-US" altLang="ko-KR" b="1" dirty="0" smtClean="0">
+                <a:solidFill>
+                  <a:schemeClr val="accent2"/>
+                </a:solidFill>
+              </a:rPr>
+              <a:t>lobal Variable) ]</a:t>
+            </a:r>
+            <a:endParaRPr lang="en-US" altLang="ko-KR" b="1" dirty="0" smtClean="0">
+              <a:solidFill>
+                <a:schemeClr val="accent2"/>
+              </a:solidFill>
+            </a:endParaRPr>
+          </a:p>
+          <a:p>
+            <a:endParaRPr lang="en-US" altLang="ko-KR" sz="500" b="1" dirty="0" smtClean="0">
+              <a:solidFill>
+                <a:schemeClr val="accent2"/>
+              </a:solidFill>
+            </a:endParaRPr>
+          </a:p>
+          <a:p>
+            <a:r>
+              <a:rPr lang="ko-KR" altLang="en-US" dirty="0" smtClean="0"/>
+              <a:t>함수의 외부에서 선언되는 변수</a:t>
+            </a:r>
+            <a:endParaRPr lang="en-US" altLang="ko-KR" dirty="0" smtClean="0"/>
+          </a:p>
+          <a:p>
+            <a:r>
+              <a:rPr lang="en-US" altLang="ko-KR" dirty="0" smtClean="0"/>
+              <a:t>(</a:t>
+            </a:r>
+            <a:r>
+              <a:rPr lang="ko-KR" altLang="en-US" dirty="0" smtClean="0"/>
+              <a:t>소스 파일의 어느 곳에서도 사용가능</a:t>
+            </a:r>
+            <a:r>
+              <a:rPr lang="en-US" altLang="ko-KR" dirty="0" smtClean="0"/>
+              <a:t>)</a:t>
+            </a:r>
+          </a:p>
+          <a:p>
+            <a:endParaRPr lang="en-US" altLang="ko-KR" dirty="0"/>
+          </a:p>
+        </p:txBody>
+      </p:sp>
+      <p:sp>
+        <p:nvSpPr>
+          <p:cNvPr id="3" name="TextBox 2"/>
+          <p:cNvSpPr txBox="1"/>
+          <p:nvPr/>
+        </p:nvSpPr>
+        <p:spPr>
+          <a:xfrm>
+            <a:off x="633046" y="272562"/>
+            <a:ext cx="10928839" cy="477054"/>
+          </a:xfrm>
+          <a:prstGeom prst="rect">
+            <a:avLst/>
+          </a:prstGeom>
+          <a:noFill/>
+        </p:spPr>
+        <p:txBody>
+          <a:bodyPr wrap="square" rtlCol="0">
+            <a:spAutoFit/>
+          </a:bodyPr>
+          <a:lstStyle/>
+          <a:p>
+            <a:r>
+              <a:rPr lang="ko-KR" altLang="en-US" sz="2500" b="1" dirty="0" smtClean="0"/>
+              <a:t>함수</a:t>
+            </a:r>
+            <a:endParaRPr lang="ko-KR" altLang="en-US" sz="2500" b="1" dirty="0"/>
+          </a:p>
+        </p:txBody>
+      </p:sp>
+      <p:pic>
+        <p:nvPicPr>
+          <p:cNvPr id="4" name="그림 3"/>
+          <p:cNvPicPr>
+            <a:picLocks noChangeAspect="1"/>
+          </p:cNvPicPr>
+          <p:nvPr/>
+        </p:nvPicPr>
+        <p:blipFill>
+          <a:blip r:embed="rId2"/>
+          <a:stretch>
+            <a:fillRect/>
+          </a:stretch>
+        </p:blipFill>
+        <p:spPr>
+          <a:xfrm>
+            <a:off x="7545998" y="749616"/>
+            <a:ext cx="3655402" cy="5666955"/>
+          </a:xfrm>
+          <a:prstGeom prst="rect">
+            <a:avLst/>
+          </a:prstGeom>
+        </p:spPr>
+      </p:pic>
+      <p:pic>
+        <p:nvPicPr>
+          <p:cNvPr id="7" name="그림 6"/>
+          <p:cNvPicPr>
+            <a:picLocks noChangeAspect="1"/>
+          </p:cNvPicPr>
+          <p:nvPr/>
+        </p:nvPicPr>
+        <p:blipFill>
+          <a:blip r:embed="rId3"/>
+          <a:stretch>
+            <a:fillRect/>
+          </a:stretch>
+        </p:blipFill>
+        <p:spPr>
+          <a:xfrm>
+            <a:off x="773724" y="3763108"/>
+            <a:ext cx="5524500" cy="2971800"/>
+          </a:xfrm>
+          <a:prstGeom prst="rect">
+            <a:avLst/>
+          </a:prstGeom>
+        </p:spPr>
+      </p:pic>
+    </p:spTree>
+    <p:extLst>
+      <p:ext uri="{BB962C8B-B14F-4D97-AF65-F5344CB8AC3E}">
+        <p14:creationId xmlns:p14="http://schemas.microsoft.com/office/powerpoint/2010/main" val="1041227650"/>
+      </p:ext>
+    </p:extLst>
+  </p:cSld>
+  <p:clrMapOvr>
+    <a:masterClrMapping/>
+  </p:clrMapOvr>
+  <p:timing>
+    <p:tnLst>
+      <p:par>
+        <p:cTn id="1" dur="indefinite" restart="never" nodeType="tmRoot">
+          <p:childTnLst>
+            <p:seq concurrent="1" nextAc="seek">
+              <p:cTn id="2" dur="indefinite" nodeType="mainSeq">
+                <p:childTnLst>
+                  <p:par>
+                    <p:cTn id="3" fill="hold">
+                      <p:stCondLst>
+                        <p:cond delay="indefinite"/>
+                      </p:stCondLst>
+                      <p:childTnLst>
+                        <p:par>
+                          <p:cTn id="4" fill="hold">
+                            <p:stCondLst>
+                              <p:cond delay="0"/>
+                            </p:stCondLst>
+                            <p:childTnLst>
+                              <p:par>
+                                <p:cTn id="5" presetID="1" presetClass="entr" presetSubtype="0" fill="hold" nodeType="clickEffect">
+                                  <p:stCondLst>
+                                    <p:cond delay="0"/>
+                                  </p:stCondLst>
+                                  <p:childTnLst>
+                                    <p:set>
+                                      <p:cBhvr>
+                                        <p:cTn id="6" dur="1" fill="hold">
+                                          <p:stCondLst>
+                                            <p:cond delay="0"/>
+                                          </p:stCondLst>
+                                        </p:cTn>
+                                        <p:tgtEl>
+                                          <p:spTgt spid="4"/>
+                                        </p:tgtEl>
+                                        <p:attrNameLst>
+                                          <p:attrName>style.visibility</p:attrName>
+                                        </p:attrNameLst>
+                                      </p:cBhvr>
+                                      <p:to>
+                                        <p:strVal val="visible"/>
+                                      </p:to>
+                                    </p:set>
+                                  </p:childTnLst>
+                                </p:cTn>
+                              </p:par>
+                            </p:childTnLst>
+                          </p:cTn>
+                        </p:par>
+                      </p:childTnLst>
+                    </p:cTn>
+                  </p:par>
+                  <p:par>
+                    <p:cTn id="7" fill="hold">
+                      <p:stCondLst>
+                        <p:cond delay="indefinite"/>
+                      </p:stCondLst>
+                      <p:childTnLst>
+                        <p:par>
+                          <p:cTn id="8" fill="hold">
+                            <p:stCondLst>
+                              <p:cond delay="0"/>
+                            </p:stCondLst>
+                            <p:childTnLst>
+                              <p:par>
+                                <p:cTn id="9" presetID="1" presetClass="entr" presetSubtype="0" fill="hold" nodeType="clickEffect">
+                                  <p:stCondLst>
+                                    <p:cond delay="0"/>
+                                  </p:stCondLst>
+                                  <p:childTnLst>
+                                    <p:set>
+                                      <p:cBhvr>
+                                        <p:cTn id="10" dur="1" fill="hold">
+                                          <p:stCondLst>
+                                            <p:cond delay="0"/>
+                                          </p:stCondLst>
+                                        </p:cTn>
+                                        <p:tgtEl>
+                                          <p:spTgt spid="7"/>
+                                        </p:tgtEl>
+                                        <p:attrNameLst>
+                                          <p:attrName>style.visibility</p:attrName>
+                                        </p:attrNameLst>
+                                      </p:cBhvr>
+                                      <p:to>
+                                        <p:strVal val="visible"/>
+                                      </p:to>
+                                    </p:set>
+                                  </p:childTnLst>
+                                </p:cTn>
+                              </p:par>
+                            </p:childTnLst>
+                          </p:cTn>
+                        </p:par>
+                      </p:childTnLst>
+                    </p:cTn>
+                  </p:par>
+                </p:childTnLst>
+              </p:cTn>
+              <p:prevCondLst>
+                <p:cond evt="onPrev" delay="0">
+                  <p:tgtEl>
+                    <p:sldTgt/>
+                  </p:tgtEl>
+                </p:cond>
+              </p:prevCondLst>
+              <p:nextCondLst>
+                <p:cond evt="onNext" delay="0">
+                  <p:tgtEl>
+                    <p:sldTgt/>
+                  </p:tgtEl>
+                </p:cond>
+              </p:nextCondLst>
+            </p:seq>
+          </p:childTnLst>
+        </p:cTn>
+      </p:par>
+    </p:tnLst>
+  </p:timing>
+</p:sld>
+</file>
+
+<file path=ppt/slides/slide18.xml><?xml version="1.0" encoding="utf-8"?>
+<p:sld xmlns:a="http://schemas.openxmlformats.org/drawingml/2006/main" xmlns:r="http://schemas.openxmlformats.org/officeDocument/2006/relationships" xmlns:p="http://schemas.openxmlformats.org/presentationml/2006/main">
+  <p:cSld>
+    <p:spTree>
+      <p:nvGrpSpPr>
+        <p:cNvPr id="1" name=""/>
+        <p:cNvGrpSpPr/>
+        <p:nvPr/>
+      </p:nvGrpSpPr>
+      <p:grpSpPr>
+        <a:xfrm>
+          <a:off x="0" y="0"/>
+          <a:ext cx="0" cy="0"/>
+          <a:chOff x="0" y="0"/>
+          <a:chExt cx="0" cy="0"/>
+        </a:xfrm>
+      </p:grpSpPr>
+      <p:sp>
+        <p:nvSpPr>
+          <p:cNvPr id="2" name="TextBox 1"/>
+          <p:cNvSpPr txBox="1"/>
+          <p:nvPr/>
+        </p:nvSpPr>
+        <p:spPr>
+          <a:xfrm>
+            <a:off x="773724" y="1186962"/>
+            <a:ext cx="10788161" cy="3570208"/>
+          </a:xfrm>
+          <a:prstGeom prst="rect">
+            <a:avLst/>
+          </a:prstGeom>
+          <a:noFill/>
+        </p:spPr>
+        <p:txBody>
+          <a:bodyPr wrap="square" rtlCol="0">
+            <a:spAutoFit/>
+          </a:bodyPr>
+          <a:lstStyle/>
+          <a:p>
+            <a:r>
+              <a:rPr lang="en-US" altLang="ko-KR" b="1" dirty="0" smtClean="0">
+                <a:solidFill>
+                  <a:schemeClr val="accent2"/>
+                </a:solidFill>
+              </a:rPr>
+              <a:t>[ </a:t>
+            </a:r>
+            <a:r>
+              <a:rPr lang="ko-KR" altLang="en-US" b="1" dirty="0" smtClean="0">
+                <a:solidFill>
+                  <a:schemeClr val="accent2"/>
+                </a:solidFill>
+              </a:rPr>
+              <a:t>형식 </a:t>
+            </a:r>
+            <a:r>
+              <a:rPr lang="en-US" altLang="ko-KR" b="1" dirty="0" smtClean="0">
+                <a:solidFill>
+                  <a:schemeClr val="accent2"/>
+                </a:solidFill>
+              </a:rPr>
+              <a:t>]</a:t>
+            </a:r>
+            <a:endParaRPr lang="en-US" altLang="ko-KR" b="1" dirty="0" smtClean="0">
+              <a:solidFill>
+                <a:schemeClr val="accent2"/>
+              </a:solidFill>
+            </a:endParaRPr>
+          </a:p>
+          <a:p>
+            <a:endParaRPr lang="en-US" altLang="ko-KR" sz="500" b="1" dirty="0" smtClean="0">
+              <a:solidFill>
+                <a:schemeClr val="accent2"/>
+              </a:solidFill>
+            </a:endParaRPr>
+          </a:p>
+          <a:p>
+            <a:r>
+              <a:rPr lang="ko-KR" altLang="en-US" dirty="0" err="1" smtClean="0"/>
+              <a:t>자료형</a:t>
+            </a:r>
+            <a:r>
+              <a:rPr lang="ko-KR" altLang="en-US" dirty="0" smtClean="0"/>
+              <a:t> </a:t>
+            </a:r>
+            <a:r>
+              <a:rPr lang="ko-KR" altLang="en-US" dirty="0" err="1" smtClean="0"/>
+              <a:t>배열이름</a:t>
+            </a:r>
+            <a:r>
+              <a:rPr lang="en-US" altLang="ko-KR" dirty="0" smtClean="0"/>
+              <a:t>[</a:t>
+            </a:r>
+            <a:r>
+              <a:rPr lang="ko-KR" altLang="en-US" dirty="0" err="1" smtClean="0"/>
+              <a:t>배열크기</a:t>
+            </a:r>
+            <a:r>
+              <a:rPr lang="en-US" altLang="ko-KR" dirty="0" smtClean="0"/>
+              <a:t>];</a:t>
+            </a:r>
+          </a:p>
+          <a:p>
+            <a:endParaRPr lang="en-US" altLang="ko-KR" dirty="0" smtClean="0"/>
+          </a:p>
+          <a:p>
+            <a:endParaRPr lang="en-US" altLang="ko-KR" dirty="0" smtClean="0"/>
+          </a:p>
+          <a:p>
+            <a:r>
+              <a:rPr lang="en-US" altLang="ko-KR" b="1" dirty="0" smtClean="0">
+                <a:solidFill>
+                  <a:schemeClr val="accent2"/>
+                </a:solidFill>
+              </a:rPr>
+              <a:t>[ </a:t>
+            </a:r>
+            <a:r>
+              <a:rPr lang="ko-KR" altLang="en-US" b="1" dirty="0" smtClean="0">
+                <a:solidFill>
+                  <a:schemeClr val="accent2"/>
+                </a:solidFill>
+              </a:rPr>
+              <a:t>설명 </a:t>
+            </a:r>
+            <a:r>
+              <a:rPr lang="en-US" altLang="ko-KR" b="1" dirty="0" smtClean="0">
+                <a:solidFill>
+                  <a:schemeClr val="accent2"/>
+                </a:solidFill>
+              </a:rPr>
+              <a:t>]</a:t>
+            </a:r>
+            <a:endParaRPr lang="en-US" altLang="ko-KR" b="1" dirty="0" smtClean="0">
+              <a:solidFill>
+                <a:schemeClr val="accent2"/>
+              </a:solidFill>
+            </a:endParaRPr>
+          </a:p>
+          <a:p>
+            <a:endParaRPr lang="en-US" altLang="ko-KR" sz="500" b="1" dirty="0" smtClean="0">
+              <a:solidFill>
+                <a:schemeClr val="accent2"/>
+              </a:solidFill>
+            </a:endParaRPr>
+          </a:p>
+          <a:p>
+            <a:r>
+              <a:rPr lang="ko-KR" altLang="en-US" dirty="0" smtClean="0"/>
+              <a:t>지정된 타입과 크기를 가지는 배열을 생성한다</a:t>
+            </a:r>
+            <a:r>
+              <a:rPr lang="en-US" altLang="ko-KR" dirty="0" smtClean="0"/>
+              <a:t>.</a:t>
+            </a:r>
+          </a:p>
+          <a:p>
+            <a:endParaRPr lang="en-US" altLang="ko-KR" dirty="0"/>
+          </a:p>
+          <a:p>
+            <a:endParaRPr lang="en-US" altLang="ko-KR" dirty="0" smtClean="0"/>
+          </a:p>
+          <a:p>
+            <a:r>
+              <a:rPr lang="en-US" altLang="ko-KR" dirty="0" smtClean="0">
+                <a:solidFill>
+                  <a:srgbClr val="FF0000"/>
+                </a:solidFill>
+              </a:rPr>
+              <a:t>※</a:t>
+            </a:r>
+            <a:r>
+              <a:rPr lang="en-US" altLang="ko-KR" dirty="0">
+                <a:solidFill>
+                  <a:srgbClr val="FF0000"/>
+                </a:solidFill>
+              </a:rPr>
+              <a:t> </a:t>
+            </a:r>
+            <a:r>
+              <a:rPr lang="ko-KR" altLang="en-US" dirty="0" smtClean="0">
+                <a:solidFill>
+                  <a:srgbClr val="FF0000"/>
+                </a:solidFill>
+              </a:rPr>
+              <a:t>주의</a:t>
+            </a:r>
+            <a:r>
+              <a:rPr lang="en-US" altLang="ko-KR" dirty="0" smtClean="0">
+                <a:solidFill>
+                  <a:srgbClr val="FF0000"/>
+                </a:solidFill>
+              </a:rPr>
+              <a:t> ※</a:t>
+            </a:r>
+          </a:p>
+          <a:p>
+            <a:pPr marL="285750" indent="-285750">
+              <a:buFontTx/>
+              <a:buChar char="-"/>
+            </a:pPr>
+            <a:r>
+              <a:rPr lang="ko-KR" altLang="en-US" dirty="0" smtClean="0"/>
+              <a:t>배열 원소는 </a:t>
+            </a:r>
+            <a:r>
+              <a:rPr lang="en-US" altLang="ko-KR" dirty="0" smtClean="0"/>
+              <a:t>0</a:t>
+            </a:r>
+            <a:r>
+              <a:rPr lang="ko-KR" altLang="en-US" dirty="0" smtClean="0"/>
+              <a:t>부터 시작</a:t>
+            </a:r>
+            <a:endParaRPr lang="en-US" altLang="ko-KR" dirty="0" smtClean="0"/>
+          </a:p>
+          <a:p>
+            <a:pPr marL="285750" indent="-285750">
+              <a:buFontTx/>
+              <a:buChar char="-"/>
+            </a:pPr>
+            <a:r>
+              <a:rPr lang="ko-KR" altLang="en-US" dirty="0" smtClean="0"/>
+              <a:t>배열 크기를 나타낼 때는 </a:t>
+            </a:r>
+            <a:r>
+              <a:rPr lang="ko-KR" altLang="en-US" b="1" dirty="0" smtClean="0"/>
+              <a:t>항상 상수</a:t>
+            </a:r>
+            <a:endParaRPr lang="en-US" altLang="ko-KR" b="1" dirty="0" smtClean="0"/>
+          </a:p>
+          <a:p>
+            <a:pPr marL="285750" indent="-285750">
+              <a:buFontTx/>
+              <a:buChar char="-"/>
+            </a:pPr>
+            <a:r>
+              <a:rPr lang="ko-KR" altLang="en-US" dirty="0" smtClean="0"/>
+              <a:t>배열 크기는 </a:t>
+            </a:r>
+            <a:r>
+              <a:rPr lang="ko-KR" altLang="en-US" b="1" dirty="0" smtClean="0"/>
+              <a:t>음수</a:t>
+            </a:r>
+            <a:r>
+              <a:rPr lang="en-US" altLang="ko-KR" b="1" dirty="0" smtClean="0"/>
+              <a:t>, 0, </a:t>
+            </a:r>
+            <a:r>
+              <a:rPr lang="ko-KR" altLang="en-US" b="1" dirty="0" smtClean="0"/>
+              <a:t>실수</a:t>
+            </a:r>
+            <a:r>
+              <a:rPr lang="ko-KR" altLang="en-US" dirty="0" smtClean="0"/>
+              <a:t>로 하면 컴파일 오류</a:t>
+            </a:r>
+            <a:endParaRPr lang="en-US" altLang="ko-KR" dirty="0"/>
+          </a:p>
+        </p:txBody>
+      </p:sp>
+      <p:sp>
+        <p:nvSpPr>
+          <p:cNvPr id="3" name="TextBox 2"/>
+          <p:cNvSpPr txBox="1"/>
+          <p:nvPr/>
+        </p:nvSpPr>
+        <p:spPr>
+          <a:xfrm>
+            <a:off x="633046" y="272562"/>
+            <a:ext cx="10928839" cy="477054"/>
+          </a:xfrm>
+          <a:prstGeom prst="rect">
+            <a:avLst/>
+          </a:prstGeom>
+          <a:noFill/>
+        </p:spPr>
+        <p:txBody>
+          <a:bodyPr wrap="square" rtlCol="0">
+            <a:spAutoFit/>
+          </a:bodyPr>
+          <a:lstStyle/>
+          <a:p>
+            <a:r>
+              <a:rPr lang="ko-KR" altLang="en-US" sz="2500" b="1" dirty="0" smtClean="0"/>
+              <a:t>배열 </a:t>
+            </a:r>
+            <a:r>
+              <a:rPr lang="en-US" altLang="ko-KR" sz="2500" b="1" dirty="0" smtClean="0"/>
+              <a:t>(</a:t>
+            </a:r>
+            <a:r>
+              <a:rPr lang="ko-KR" altLang="en-US" sz="2500" b="1" dirty="0" smtClean="0"/>
+              <a:t>선언</a:t>
+            </a:r>
+            <a:r>
+              <a:rPr lang="en-US" altLang="ko-KR" sz="2500" b="1" dirty="0" smtClean="0"/>
+              <a:t>)</a:t>
+            </a:r>
+            <a:endParaRPr lang="ko-KR" altLang="en-US" sz="2500" b="1" dirty="0"/>
+          </a:p>
+        </p:txBody>
+      </p:sp>
+      <p:pic>
+        <p:nvPicPr>
+          <p:cNvPr id="5" name="그림 4"/>
+          <p:cNvPicPr>
+            <a:picLocks noChangeAspect="1"/>
+          </p:cNvPicPr>
+          <p:nvPr/>
+        </p:nvPicPr>
+        <p:blipFill>
+          <a:blip r:embed="rId2"/>
+          <a:stretch>
+            <a:fillRect/>
+          </a:stretch>
+        </p:blipFill>
+        <p:spPr>
+          <a:xfrm>
+            <a:off x="6382115" y="1186962"/>
+            <a:ext cx="5019675" cy="2381250"/>
+          </a:xfrm>
+          <a:prstGeom prst="rect">
+            <a:avLst/>
+          </a:prstGeom>
+        </p:spPr>
+      </p:pic>
+    </p:spTree>
+    <p:extLst>
+      <p:ext uri="{BB962C8B-B14F-4D97-AF65-F5344CB8AC3E}">
+        <p14:creationId xmlns:p14="http://schemas.microsoft.com/office/powerpoint/2010/main" val="2683770495"/>
+      </p:ext>
+    </p:extLst>
+  </p:cSld>
+  <p:clrMapOvr>
+    <a:masterClrMapping/>
+  </p:clrMapOvr>
+  <p:timing>
+    <p:tnLst>
+      <p:par>
+        <p:cTn id="1" dur="indefinite" restart="never" nodeType="tmRoot"/>
+      </p:par>
+    </p:tnLst>
+  </p:timing>
+</p:sld>
+</file>
+
+<file path=ppt/slides/slide19.xml><?xml version="1.0" encoding="utf-8"?>
+<p:sld xmlns:a="http://schemas.openxmlformats.org/drawingml/2006/main" xmlns:r="http://schemas.openxmlformats.org/officeDocument/2006/relationships" xmlns:p="http://schemas.openxmlformats.org/presentationml/2006/main">
+  <p:cSld>
+    <p:spTree>
+      <p:nvGrpSpPr>
+        <p:cNvPr id="1" name=""/>
+        <p:cNvGrpSpPr/>
+        <p:nvPr/>
+      </p:nvGrpSpPr>
+      <p:grpSpPr>
+        <a:xfrm>
+          <a:off x="0" y="0"/>
+          <a:ext cx="0" cy="0"/>
+          <a:chOff x="0" y="0"/>
+          <a:chExt cx="0" cy="0"/>
+        </a:xfrm>
+      </p:grpSpPr>
+      <p:sp>
+        <p:nvSpPr>
+          <p:cNvPr id="2" name="TextBox 1"/>
+          <p:cNvSpPr txBox="1"/>
+          <p:nvPr/>
+        </p:nvSpPr>
+        <p:spPr>
+          <a:xfrm>
+            <a:off x="773724" y="1186962"/>
+            <a:ext cx="10788161" cy="3724096"/>
+          </a:xfrm>
+          <a:prstGeom prst="rect">
+            <a:avLst/>
+          </a:prstGeom>
+          <a:noFill/>
+        </p:spPr>
+        <p:txBody>
+          <a:bodyPr wrap="square" rtlCol="0">
+            <a:spAutoFit/>
+          </a:bodyPr>
+          <a:lstStyle/>
+          <a:p>
+            <a:r>
+              <a:rPr lang="en-US" altLang="ko-KR" b="1" dirty="0" smtClean="0">
+                <a:solidFill>
+                  <a:schemeClr val="accent2"/>
+                </a:solidFill>
+              </a:rPr>
+              <a:t>[ </a:t>
+            </a:r>
+            <a:r>
+              <a:rPr lang="ko-KR" altLang="en-US" b="1" dirty="0" smtClean="0">
+                <a:solidFill>
+                  <a:schemeClr val="accent2"/>
+                </a:solidFill>
+              </a:rPr>
+              <a:t>배열 복사</a:t>
+            </a:r>
+            <a:r>
+              <a:rPr lang="en-US" altLang="ko-KR" b="1" dirty="0" smtClean="0">
+                <a:solidFill>
+                  <a:schemeClr val="accent2"/>
+                </a:solidFill>
+              </a:rPr>
+              <a:t> ]</a:t>
+            </a:r>
+            <a:endParaRPr lang="en-US" altLang="ko-KR" b="1" dirty="0" smtClean="0">
+              <a:solidFill>
+                <a:schemeClr val="accent2"/>
+              </a:solidFill>
+            </a:endParaRPr>
+          </a:p>
+          <a:p>
+            <a:endParaRPr lang="en-US" altLang="ko-KR" sz="500" b="1" dirty="0" smtClean="0">
+              <a:solidFill>
+                <a:schemeClr val="accent2"/>
+              </a:solidFill>
+            </a:endParaRPr>
+          </a:p>
+          <a:p>
+            <a:r>
+              <a:rPr lang="ko-KR" altLang="en-US" dirty="0" smtClean="0"/>
+              <a:t>배열 </a:t>
+            </a:r>
+            <a:r>
+              <a:rPr lang="en-US" altLang="ko-KR" dirty="0" smtClean="0"/>
+              <a:t>a</a:t>
+            </a:r>
+            <a:r>
+              <a:rPr lang="ko-KR" altLang="en-US" dirty="0" smtClean="0"/>
+              <a:t>에 값을 </a:t>
+            </a:r>
+            <a:r>
+              <a:rPr lang="en-US" altLang="ko-KR" dirty="0" smtClean="0"/>
+              <a:t>b</a:t>
+            </a:r>
+            <a:r>
+              <a:rPr lang="ko-KR" altLang="en-US" dirty="0" smtClean="0"/>
+              <a:t>에 복사하는 코드를 작성해보자</a:t>
+            </a:r>
+            <a:r>
+              <a:rPr lang="en-US" altLang="ko-KR" dirty="0" smtClean="0"/>
+              <a:t>.</a:t>
+            </a:r>
+            <a:endParaRPr lang="en-US" altLang="ko-KR" sz="1000" dirty="0" smtClean="0"/>
+          </a:p>
+          <a:p>
+            <a:r>
+              <a:rPr lang="en-US" altLang="ko-KR" dirty="0" err="1" smtClean="0"/>
+              <a:t>int</a:t>
+            </a:r>
+            <a:r>
+              <a:rPr lang="ko-KR" altLang="en-US" dirty="0" smtClean="0"/>
+              <a:t> </a:t>
+            </a:r>
+            <a:r>
+              <a:rPr lang="en-US" altLang="ko-KR" dirty="0" smtClean="0"/>
+              <a:t>a[5] = {1, 2, 3, 4, 5};</a:t>
+            </a:r>
+            <a:endParaRPr lang="en-US" altLang="ko-KR" dirty="0" smtClean="0"/>
+          </a:p>
+          <a:p>
+            <a:r>
+              <a:rPr lang="en-US" altLang="ko-KR" dirty="0" err="1" smtClean="0"/>
+              <a:t>int</a:t>
+            </a:r>
+            <a:r>
+              <a:rPr lang="ko-KR" altLang="en-US" dirty="0" smtClean="0"/>
+              <a:t> </a:t>
+            </a:r>
+            <a:r>
+              <a:rPr lang="en-US" altLang="ko-KR" dirty="0" smtClean="0"/>
+              <a:t>b[5</a:t>
+            </a:r>
+            <a:r>
+              <a:rPr lang="en-US" altLang="ko-KR" dirty="0"/>
+              <a:t>] = </a:t>
+            </a:r>
+            <a:r>
+              <a:rPr lang="en-US" altLang="ko-KR" dirty="0" smtClean="0"/>
+              <a:t>{0};</a:t>
+            </a:r>
+            <a:endParaRPr lang="en-US" altLang="ko-KR" dirty="0"/>
+          </a:p>
+          <a:p>
+            <a:endParaRPr lang="en-US" altLang="ko-KR" dirty="0" smtClean="0"/>
+          </a:p>
+          <a:p>
+            <a:endParaRPr lang="en-US" altLang="ko-KR" dirty="0" smtClean="0"/>
+          </a:p>
+          <a:p>
+            <a:endParaRPr lang="en-US" altLang="ko-KR" dirty="0" smtClean="0"/>
+          </a:p>
+          <a:p>
+            <a:r>
+              <a:rPr lang="en-US" altLang="ko-KR" b="1" dirty="0">
+                <a:solidFill>
+                  <a:schemeClr val="accent2"/>
+                </a:solidFill>
+              </a:rPr>
+              <a:t>[ </a:t>
+            </a:r>
+            <a:r>
+              <a:rPr lang="ko-KR" altLang="en-US" b="1" dirty="0">
+                <a:solidFill>
+                  <a:schemeClr val="accent2"/>
+                </a:solidFill>
+              </a:rPr>
+              <a:t>배열 </a:t>
+            </a:r>
+            <a:r>
+              <a:rPr lang="ko-KR" altLang="en-US" b="1" dirty="0" smtClean="0">
+                <a:solidFill>
+                  <a:schemeClr val="accent2"/>
+                </a:solidFill>
+              </a:rPr>
+              <a:t>비교</a:t>
+            </a:r>
+            <a:r>
+              <a:rPr lang="en-US" altLang="ko-KR" b="1" dirty="0" smtClean="0">
+                <a:solidFill>
+                  <a:schemeClr val="accent2"/>
+                </a:solidFill>
+              </a:rPr>
+              <a:t> </a:t>
+            </a:r>
+            <a:r>
+              <a:rPr lang="en-US" altLang="ko-KR" b="1" dirty="0">
+                <a:solidFill>
+                  <a:schemeClr val="accent2"/>
+                </a:solidFill>
+              </a:rPr>
+              <a:t>]</a:t>
+            </a:r>
+          </a:p>
+          <a:p>
+            <a:endParaRPr lang="en-US" altLang="ko-KR" sz="500" b="1" dirty="0">
+              <a:solidFill>
+                <a:schemeClr val="accent2"/>
+              </a:solidFill>
+            </a:endParaRPr>
+          </a:p>
+          <a:p>
+            <a:r>
+              <a:rPr lang="ko-KR" altLang="en-US" dirty="0"/>
+              <a:t>배열 </a:t>
+            </a:r>
+            <a:r>
+              <a:rPr lang="en-US" altLang="ko-KR" dirty="0" smtClean="0"/>
+              <a:t>a</a:t>
+            </a:r>
+            <a:r>
+              <a:rPr lang="ko-KR" altLang="en-US" dirty="0" smtClean="0"/>
+              <a:t>와 </a:t>
+            </a:r>
+            <a:r>
+              <a:rPr lang="en-US" altLang="ko-KR" dirty="0"/>
+              <a:t>b</a:t>
+            </a:r>
+            <a:r>
+              <a:rPr lang="ko-KR" altLang="en-US" dirty="0"/>
+              <a:t>에 </a:t>
+            </a:r>
+            <a:r>
+              <a:rPr lang="ko-KR" altLang="en-US" dirty="0" smtClean="0"/>
+              <a:t>값이 같은 지 비교하는 코드를 작성해보자</a:t>
+            </a:r>
+            <a:r>
+              <a:rPr lang="en-US" altLang="ko-KR" dirty="0" smtClean="0"/>
+              <a:t>.</a:t>
+            </a:r>
+          </a:p>
+          <a:p>
+            <a:endParaRPr lang="en-US" altLang="ko-KR" sz="1000" dirty="0" smtClean="0"/>
+          </a:p>
+          <a:p>
+            <a:r>
+              <a:rPr lang="en-US" altLang="ko-KR" dirty="0" err="1" smtClean="0"/>
+              <a:t>int</a:t>
+            </a:r>
+            <a:r>
+              <a:rPr lang="ko-KR" altLang="en-US" dirty="0" smtClean="0"/>
+              <a:t> </a:t>
+            </a:r>
+            <a:r>
+              <a:rPr lang="en-US" altLang="ko-KR" dirty="0"/>
+              <a:t>a[5] = {1, 2, 3, 4, 5};</a:t>
+            </a:r>
+          </a:p>
+          <a:p>
+            <a:r>
+              <a:rPr lang="en-US" altLang="ko-KR" dirty="0" err="1"/>
+              <a:t>int</a:t>
+            </a:r>
+            <a:r>
+              <a:rPr lang="ko-KR" altLang="en-US" dirty="0"/>
+              <a:t> </a:t>
+            </a:r>
+            <a:r>
+              <a:rPr lang="en-US" altLang="ko-KR" dirty="0"/>
+              <a:t>b[5] = {1, 2, </a:t>
+            </a:r>
+            <a:r>
+              <a:rPr lang="en-US" altLang="ko-KR" dirty="0" smtClean="0"/>
+              <a:t>7, </a:t>
+            </a:r>
+            <a:r>
+              <a:rPr lang="en-US" altLang="ko-KR" dirty="0"/>
+              <a:t>4, 5};</a:t>
+            </a:r>
+          </a:p>
+          <a:p>
+            <a:endParaRPr lang="en-US" altLang="ko-KR" dirty="0"/>
+          </a:p>
+        </p:txBody>
+      </p:sp>
+      <p:sp>
+        <p:nvSpPr>
+          <p:cNvPr id="3" name="TextBox 2"/>
+          <p:cNvSpPr txBox="1"/>
+          <p:nvPr/>
+        </p:nvSpPr>
+        <p:spPr>
+          <a:xfrm>
+            <a:off x="633046" y="272562"/>
+            <a:ext cx="10928839" cy="477054"/>
+          </a:xfrm>
+          <a:prstGeom prst="rect">
+            <a:avLst/>
+          </a:prstGeom>
+          <a:noFill/>
+        </p:spPr>
+        <p:txBody>
+          <a:bodyPr wrap="square" rtlCol="0">
+            <a:spAutoFit/>
+          </a:bodyPr>
+          <a:lstStyle/>
+          <a:p>
+            <a:r>
+              <a:rPr lang="ko-KR" altLang="en-US" sz="2500" b="1" dirty="0" smtClean="0"/>
+              <a:t>배열 </a:t>
+            </a:r>
+            <a:r>
+              <a:rPr lang="en-US" altLang="ko-KR" sz="2500" b="1" dirty="0" smtClean="0"/>
+              <a:t>(</a:t>
+            </a:r>
+            <a:r>
+              <a:rPr lang="ko-KR" altLang="en-US" sz="2500" b="1" dirty="0" smtClean="0"/>
+              <a:t>복사</a:t>
+            </a:r>
+            <a:r>
+              <a:rPr lang="en-US" altLang="ko-KR" sz="2500" b="1" dirty="0" smtClean="0"/>
+              <a:t>, </a:t>
+            </a:r>
+            <a:r>
+              <a:rPr lang="ko-KR" altLang="en-US" sz="2500" b="1" dirty="0" smtClean="0"/>
+              <a:t>비교</a:t>
+            </a:r>
+            <a:r>
+              <a:rPr lang="en-US" altLang="ko-KR" sz="2500" b="1" dirty="0" smtClean="0"/>
+              <a:t>)</a:t>
+            </a:r>
+            <a:endParaRPr lang="ko-KR" altLang="en-US" sz="2500" b="1" dirty="0"/>
+          </a:p>
+        </p:txBody>
+      </p:sp>
+    </p:spTree>
+    <p:extLst>
+      <p:ext uri="{BB962C8B-B14F-4D97-AF65-F5344CB8AC3E}">
+        <p14:creationId xmlns:p14="http://schemas.microsoft.com/office/powerpoint/2010/main" val="3711212836"/>
       </p:ext>
     </p:extLst>
   </p:cSld>
@@ -4964,7 +7636,7 @@
         </p:spPr>
         <p:txBody>
           <a:bodyPr>
-            <a:normAutofit fontScale="77500" lnSpcReduction="20000"/>
+            <a:normAutofit/>
           </a:bodyPr>
           <a:lstStyle/>
           <a:p>
@@ -4977,6 +7649,12 @@
             <a:pPr marL="342900" indent="-342900">
               <a:buAutoNum type="arabicPeriod"/>
             </a:pPr>
+            <a:endParaRPr lang="en-US" altLang="ko-KR" dirty="0" smtClean="0"/>
+          </a:p>
+          <a:p>
+            <a:pPr marL="342900" indent="-342900">
+              <a:buAutoNum type="arabicPeriod"/>
+            </a:pPr>
             <a:r>
               <a:rPr lang="ko-KR" altLang="en-US" dirty="0" err="1" smtClean="0"/>
               <a:t>조건문</a:t>
@@ -5060,57 +7738,6 @@
               <a:t>배열</a:t>
             </a:r>
             <a:endParaRPr lang="en-US" altLang="ko-KR" dirty="0" smtClean="0"/>
-          </a:p>
-          <a:p>
-            <a:pPr marL="342900" indent="-342900">
-              <a:buAutoNum type="arabicPeriod"/>
-            </a:pPr>
-            <a:endParaRPr lang="en-US" altLang="ko-KR" dirty="0" smtClean="0"/>
-          </a:p>
-          <a:p>
-            <a:pPr marL="342900" indent="-342900">
-              <a:buAutoNum type="arabicPeriod"/>
-            </a:pPr>
-            <a:r>
-              <a:rPr lang="ko-KR" altLang="en-US" dirty="0" smtClean="0"/>
-              <a:t>포인터</a:t>
-            </a:r>
-            <a:endParaRPr lang="en-US" altLang="ko-KR" dirty="0" smtClean="0"/>
-          </a:p>
-          <a:p>
-            <a:pPr marL="342900" indent="-342900">
-              <a:buAutoNum type="arabicPeriod"/>
-            </a:pPr>
-            <a:endParaRPr lang="en-US" altLang="ko-KR" dirty="0" smtClean="0"/>
-          </a:p>
-          <a:p>
-            <a:pPr marL="342900" indent="-342900">
-              <a:buAutoNum type="arabicPeriod"/>
-            </a:pPr>
-            <a:r>
-              <a:rPr lang="ko-KR" altLang="en-US" dirty="0" smtClean="0"/>
-              <a:t>문자열</a:t>
-            </a:r>
-            <a:endParaRPr lang="en-US" altLang="ko-KR" dirty="0" smtClean="0"/>
-          </a:p>
-          <a:p>
-            <a:pPr marL="342900" indent="-342900">
-              <a:buAutoNum type="arabicPeriod"/>
-            </a:pPr>
-            <a:endParaRPr lang="en-US" altLang="ko-KR" dirty="0" smtClean="0"/>
-          </a:p>
-          <a:p>
-            <a:pPr marL="342900" indent="-342900">
-              <a:buAutoNum type="arabicPeriod"/>
-            </a:pPr>
-            <a:r>
-              <a:rPr lang="ko-KR" altLang="en-US" dirty="0" smtClean="0"/>
-              <a:t>구조체</a:t>
-            </a:r>
-            <a:endParaRPr lang="en-US" altLang="ko-KR" dirty="0" smtClean="0"/>
-          </a:p>
-          <a:p>
-            <a:endParaRPr lang="ko-KR" altLang="en-US" dirty="0"/>
           </a:p>
         </p:txBody>
       </p:sp>
